--- a/C#DotNet SuperExpress.pptx
+++ b/C#DotNet SuperExpress.pptx
@@ -5,10 +5,10 @@
     <p:sldMasterId id="2147483648" r:id="rId1"/>
   </p:sldMasterIdLst>
   <p:notesMasterIdLst>
-    <p:notesMasterId r:id="rId21"/>
+    <p:notesMasterId r:id="rId26"/>
   </p:notesMasterIdLst>
   <p:handoutMasterIdLst>
-    <p:handoutMasterId r:id="rId22"/>
+    <p:handoutMasterId r:id="rId27"/>
   </p:handoutMasterIdLst>
   <p:sldIdLst>
     <p:sldId id="277" r:id="rId2"/>
@@ -17,19 +17,24 @@
     <p:sldId id="279" r:id="rId5"/>
     <p:sldId id="280" r:id="rId6"/>
     <p:sldId id="281" r:id="rId7"/>
-    <p:sldId id="282" r:id="rId8"/>
-    <p:sldId id="283" r:id="rId9"/>
-    <p:sldId id="284" r:id="rId10"/>
-    <p:sldId id="285" r:id="rId11"/>
-    <p:sldId id="268" r:id="rId12"/>
-    <p:sldId id="270" r:id="rId13"/>
-    <p:sldId id="269" r:id="rId14"/>
-    <p:sldId id="271" r:id="rId15"/>
-    <p:sldId id="272" r:id="rId16"/>
-    <p:sldId id="273" r:id="rId17"/>
-    <p:sldId id="274" r:id="rId18"/>
-    <p:sldId id="275" r:id="rId19"/>
-    <p:sldId id="276" r:id="rId20"/>
+    <p:sldId id="286" r:id="rId8"/>
+    <p:sldId id="287" r:id="rId9"/>
+    <p:sldId id="288" r:id="rId10"/>
+    <p:sldId id="289" r:id="rId11"/>
+    <p:sldId id="290" r:id="rId12"/>
+    <p:sldId id="282" r:id="rId13"/>
+    <p:sldId id="283" r:id="rId14"/>
+    <p:sldId id="284" r:id="rId15"/>
+    <p:sldId id="285" r:id="rId16"/>
+    <p:sldId id="268" r:id="rId17"/>
+    <p:sldId id="270" r:id="rId18"/>
+    <p:sldId id="269" r:id="rId19"/>
+    <p:sldId id="271" r:id="rId20"/>
+    <p:sldId id="272" r:id="rId21"/>
+    <p:sldId id="273" r:id="rId22"/>
+    <p:sldId id="274" r:id="rId23"/>
+    <p:sldId id="275" r:id="rId24"/>
+    <p:sldId id="276" r:id="rId25"/>
   </p:sldIdLst>
   <p:sldSz cx="12192000" cy="6858000"/>
   <p:notesSz cx="6858000" cy="9144000"/>
@@ -4070,7 +4075,7 @@
           <a:p>
             <a:fld id="{65DD71D7-55AC-46BD-81B3-09AB2F9EFBD8}" type="datetimeFigureOut">
               <a:rPr lang="en-US" smtClean="0"/>
-              <a:t>4/6/2018</a:t>
+              <a:t>4/7/2018</a:t>
             </a:fld>
             <a:endParaRPr lang="en-US"/>
           </a:p>
@@ -4235,7 +4240,7 @@
           <a:p>
             <a:fld id="{1F89424F-BB59-4F4E-9822-4CA3E770FFD2}" type="datetimeFigureOut">
               <a:rPr lang="en-US" smtClean="0"/>
-              <a:t>4/6/2018</a:t>
+              <a:t>4/7/2018</a:t>
             </a:fld>
             <a:endParaRPr lang="en-US"/>
           </a:p>
@@ -4863,7 +4868,7 @@
             <a:fld id="{C9872EE9-AF66-483C-961F-59B9F002993E}" type="datetime1">
               <a:rPr lang="en-US" smtClean="0"/>
               <a:pPr/>
-              <a:t>4/6/2018</a:t>
+              <a:t>4/7/2018</a:t>
             </a:fld>
             <a:endParaRPr lang="en-US" dirty="0"/>
           </a:p>
@@ -5057,7 +5062,7 @@
             <a:fld id="{C7BEAFD5-7FA3-40FB-875B-457FB46B25A4}" type="datetime1">
               <a:rPr lang="en-US" smtClean="0"/>
               <a:pPr/>
-              <a:t>4/6/2018</a:t>
+              <a:t>4/7/2018</a:t>
             </a:fld>
             <a:endParaRPr lang="en-US" dirty="0"/>
           </a:p>
@@ -5241,7 +5246,7 @@
             <a:fld id="{89AD63E2-E931-4653-BB33-A910E07D11B2}" type="datetime1">
               <a:rPr lang="en-US" smtClean="0"/>
               <a:pPr/>
-              <a:t>4/6/2018</a:t>
+              <a:t>4/7/2018</a:t>
             </a:fld>
             <a:endParaRPr lang="en-US" dirty="0"/>
           </a:p>
@@ -5789,7 +5794,7 @@
             <a:fld id="{C9EA1F43-559A-4B47-A959-EFB6142CA3A9}" type="datetime1">
               <a:rPr lang="en-US" smtClean="0"/>
               <a:pPr/>
-              <a:t>4/6/2018</a:t>
+              <a:t>4/7/2018</a:t>
             </a:fld>
             <a:endParaRPr lang="en-US" dirty="0"/>
           </a:p>
@@ -6236,7 +6241,7 @@
             <a:fld id="{F1261AED-24AE-4AC7-940D-F7106D2788A3}" type="datetime1">
               <a:rPr lang="en-US" smtClean="0"/>
               <a:pPr/>
-              <a:t>4/6/2018</a:t>
+              <a:t>4/7/2018</a:t>
             </a:fld>
             <a:endParaRPr lang="en-US" dirty="0"/>
           </a:p>
@@ -6369,7 +6374,7 @@
             <a:fld id="{EC425771-5E10-4A19-AB0E-909293152332}" type="datetime1">
               <a:rPr lang="en-US" smtClean="0"/>
               <a:pPr/>
-              <a:t>4/6/2018</a:t>
+              <a:t>4/7/2018</a:t>
             </a:fld>
             <a:endParaRPr lang="en-US" dirty="0"/>
           </a:p>
@@ -6480,7 +6485,7 @@
             <a:fld id="{03606FD5-B03F-45D5-A178-114C548C0032}" type="datetime1">
               <a:rPr lang="en-US" smtClean="0"/>
               <a:pPr/>
-              <a:t>4/6/2018</a:t>
+              <a:t>4/7/2018</a:t>
             </a:fld>
             <a:endParaRPr lang="en-US" dirty="0"/>
           </a:p>
@@ -6865,7 +6870,7 @@
             <a:fld id="{E8B012C0-B102-441D-AA86-2C80DFA84E68}" type="datetime1">
               <a:rPr lang="en-US" smtClean="0"/>
               <a:pPr/>
-              <a:t>4/6/2018</a:t>
+              <a:t>4/7/2018</a:t>
             </a:fld>
             <a:endParaRPr lang="en-US" dirty="0"/>
           </a:p>
@@ -7189,7 +7194,7 @@
             <a:fld id="{601E0B12-F9DE-47EF-A076-CF602073F1B2}" type="datetime1">
               <a:rPr lang="en-US" smtClean="0"/>
               <a:pPr/>
-              <a:t>4/6/2018</a:t>
+              <a:t>4/7/2018</a:t>
             </a:fld>
             <a:endParaRPr lang="en-US" dirty="0"/>
           </a:p>
@@ -7492,7 +7497,7 @@
             <a:fld id="{C8B93266-8FB4-430B-8AE3-3A53F50E1A0B}" type="datetime1">
               <a:rPr lang="en-US" smtClean="0"/>
               <a:pPr/>
-              <a:t>4/6/2018</a:t>
+              <a:t>4/7/2018</a:t>
             </a:fld>
             <a:endParaRPr lang="en-US" dirty="0"/>
           </a:p>
@@ -8098,7 +8103,7 @@
         </p:blipFill>
         <p:spPr>
           <a:xfrm>
-            <a:off x="10224654" y="93091"/>
+            <a:off x="5100752" y="1508760"/>
             <a:ext cx="1884218" cy="1635956"/>
           </a:xfrm>
           <a:prstGeom prst="roundRect">
@@ -8187,6 +8192,480 @@
         </p:nvSpPr>
         <p:spPr>
           <a:xfrm>
+            <a:off x="0" y="0"/>
+            <a:ext cx="10098158" cy="649357"/>
+          </a:xfrm>
+        </p:spPr>
+        <p:txBody>
+          <a:bodyPr>
+            <a:normAutofit/>
+          </a:bodyPr>
+          <a:lstStyle/>
+          <a:p>
+            <a:r>
+              <a:rPr lang="en-US" altLang="zh-CN" sz="2900" dirty="0"/>
+              <a:t>Challenges and Solutions 3pages  by </a:t>
+            </a:r>
+            <a:r>
+              <a:rPr lang="en-US" altLang="zh-CN" sz="2900" dirty="0" err="1"/>
+              <a:t>Jie</a:t>
+            </a:r>
+            <a:r>
+              <a:rPr lang="en-US" altLang="zh-CN" sz="2900" dirty="0"/>
+              <a:t> </a:t>
+            </a:r>
+            <a:r>
+              <a:rPr lang="en-US" altLang="zh-CN" sz="2900" dirty="0" err="1"/>
+              <a:t>zhu</a:t>
+            </a:r>
+            <a:endParaRPr lang="en-US" sz="2900" dirty="0"/>
+          </a:p>
+        </p:txBody>
+      </p:sp>
+    </p:spTree>
+    <p:extLst>
+      <p:ext uri="{BB962C8B-B14F-4D97-AF65-F5344CB8AC3E}">
+        <p14:creationId xmlns:p14="http://schemas.microsoft.com/office/powerpoint/2010/main" val="720103069"/>
+      </p:ext>
+    </p:extLst>
+  </p:cSld>
+  <p:clrMapOvr>
+    <a:masterClrMapping/>
+  </p:clrMapOvr>
+  <mc:AlternateContent xmlns:mc="http://schemas.openxmlformats.org/markup-compatibility/2006" xmlns:p14="http://schemas.microsoft.com/office/powerpoint/2010/main">
+    <mc:Choice Requires="p14">
+      <p:transition spd="med" p14:dur="700">
+        <p:fade/>
+      </p:transition>
+    </mc:Choice>
+    <mc:Fallback xmlns="">
+      <p:transition spd="med">
+        <p:fade/>
+      </p:transition>
+    </mc:Fallback>
+  </mc:AlternateContent>
+</p:sld>
+</file>
+
+<file path=ppt/slides/slide11.xml><?xml version="1.0" encoding="utf-8"?>
+<p:sld xmlns:a="http://schemas.openxmlformats.org/drawingml/2006/main" xmlns:r="http://schemas.openxmlformats.org/officeDocument/2006/relationships" xmlns:p="http://schemas.openxmlformats.org/presentationml/2006/main">
+  <p:cSld>
+    <p:spTree>
+      <p:nvGrpSpPr>
+        <p:cNvPr id="1" name=""/>
+        <p:cNvGrpSpPr/>
+        <p:nvPr/>
+      </p:nvGrpSpPr>
+      <p:grpSpPr>
+        <a:xfrm>
+          <a:off x="0" y="0"/>
+          <a:ext cx="0" cy="0"/>
+          <a:chOff x="0" y="0"/>
+          <a:chExt cx="0" cy="0"/>
+        </a:xfrm>
+      </p:grpSpPr>
+      <p:sp>
+        <p:nvSpPr>
+          <p:cNvPr id="2" name="Title 1"/>
+          <p:cNvSpPr>
+            <a:spLocks noGrp="1"/>
+          </p:cNvSpPr>
+          <p:nvPr>
+            <p:ph type="title"/>
+          </p:nvPr>
+        </p:nvSpPr>
+        <p:spPr>
+          <a:xfrm>
+            <a:off x="0" y="0"/>
+            <a:ext cx="10098158" cy="649357"/>
+          </a:xfrm>
+        </p:spPr>
+        <p:txBody>
+          <a:bodyPr>
+            <a:normAutofit/>
+          </a:bodyPr>
+          <a:lstStyle/>
+          <a:p>
+            <a:r>
+              <a:rPr lang="en-US" altLang="zh-CN" sz="2900" dirty="0"/>
+              <a:t>Challenges and Solutions 3pages  by </a:t>
+            </a:r>
+            <a:r>
+              <a:rPr lang="en-US" altLang="zh-CN" sz="2900" dirty="0" err="1"/>
+              <a:t>Jie</a:t>
+            </a:r>
+            <a:r>
+              <a:rPr lang="en-US" altLang="zh-CN" sz="2900" dirty="0"/>
+              <a:t> </a:t>
+            </a:r>
+            <a:r>
+              <a:rPr lang="en-US" altLang="zh-CN" sz="2900" dirty="0" err="1"/>
+              <a:t>zhu</a:t>
+            </a:r>
+            <a:endParaRPr lang="en-US" sz="2900" dirty="0"/>
+          </a:p>
+        </p:txBody>
+      </p:sp>
+    </p:spTree>
+    <p:extLst>
+      <p:ext uri="{BB962C8B-B14F-4D97-AF65-F5344CB8AC3E}">
+        <p14:creationId xmlns:p14="http://schemas.microsoft.com/office/powerpoint/2010/main" val="1761123289"/>
+      </p:ext>
+    </p:extLst>
+  </p:cSld>
+  <p:clrMapOvr>
+    <a:masterClrMapping/>
+  </p:clrMapOvr>
+  <mc:AlternateContent xmlns:mc="http://schemas.openxmlformats.org/markup-compatibility/2006" xmlns:p14="http://schemas.microsoft.com/office/powerpoint/2010/main">
+    <mc:Choice Requires="p14">
+      <p:transition spd="med" p14:dur="700">
+        <p:fade/>
+      </p:transition>
+    </mc:Choice>
+    <mc:Fallback xmlns="">
+      <p:transition spd="med">
+        <p:fade/>
+      </p:transition>
+    </mc:Fallback>
+  </mc:AlternateContent>
+</p:sld>
+</file>
+
+<file path=ppt/slides/slide12.xml><?xml version="1.0" encoding="utf-8"?>
+<p:sld xmlns:a="http://schemas.openxmlformats.org/drawingml/2006/main" xmlns:r="http://schemas.openxmlformats.org/officeDocument/2006/relationships" xmlns:p="http://schemas.openxmlformats.org/presentationml/2006/main">
+  <p:cSld>
+    <p:spTree>
+      <p:nvGrpSpPr>
+        <p:cNvPr id="1" name=""/>
+        <p:cNvGrpSpPr/>
+        <p:nvPr/>
+      </p:nvGrpSpPr>
+      <p:grpSpPr>
+        <a:xfrm>
+          <a:off x="0" y="0"/>
+          <a:ext cx="0" cy="0"/>
+          <a:chOff x="0" y="0"/>
+          <a:chExt cx="0" cy="0"/>
+        </a:xfrm>
+      </p:grpSpPr>
+      <p:sp>
+        <p:nvSpPr>
+          <p:cNvPr id="2" name="Title 1"/>
+          <p:cNvSpPr>
+            <a:spLocks noGrp="1"/>
+          </p:cNvSpPr>
+          <p:nvPr>
+            <p:ph type="title"/>
+          </p:nvPr>
+        </p:nvSpPr>
+        <p:spPr>
+          <a:xfrm>
+            <a:off x="0" y="0"/>
+            <a:ext cx="10098158" cy="649357"/>
+          </a:xfrm>
+        </p:spPr>
+        <p:txBody>
+          <a:bodyPr>
+            <a:normAutofit/>
+          </a:bodyPr>
+          <a:lstStyle/>
+          <a:p>
+            <a:r>
+              <a:rPr lang="en-US" altLang="zh-CN" sz="2800" dirty="0"/>
+              <a:t>What we learned </a:t>
+            </a:r>
+            <a:r>
+              <a:rPr lang="en-US" altLang="zh-CN" sz="2900" dirty="0"/>
+              <a:t>1 page  by </a:t>
+            </a:r>
+            <a:r>
+              <a:rPr lang="en-US" altLang="zh-CN" sz="2900" dirty="0" err="1"/>
+              <a:t>Jie</a:t>
+            </a:r>
+            <a:r>
+              <a:rPr lang="en-US" altLang="zh-CN" sz="2900" dirty="0"/>
+              <a:t> </a:t>
+            </a:r>
+            <a:r>
+              <a:rPr lang="en-US" altLang="zh-CN" sz="2900" dirty="0" err="1"/>
+              <a:t>zhu</a:t>
+            </a:r>
+            <a:endParaRPr lang="en-US" sz="2900" dirty="0"/>
+          </a:p>
+        </p:txBody>
+      </p:sp>
+    </p:spTree>
+    <p:extLst>
+      <p:ext uri="{BB962C8B-B14F-4D97-AF65-F5344CB8AC3E}">
+        <p14:creationId xmlns:p14="http://schemas.microsoft.com/office/powerpoint/2010/main" val="3450525939"/>
+      </p:ext>
+    </p:extLst>
+  </p:cSld>
+  <p:clrMapOvr>
+    <a:masterClrMapping/>
+  </p:clrMapOvr>
+  <mc:AlternateContent xmlns:mc="http://schemas.openxmlformats.org/markup-compatibility/2006" xmlns:p14="http://schemas.microsoft.com/office/powerpoint/2010/main">
+    <mc:Choice Requires="p14">
+      <p:transition spd="med" p14:dur="700">
+        <p:fade/>
+      </p:transition>
+    </mc:Choice>
+    <mc:Fallback xmlns="">
+      <p:transition spd="med">
+        <p:fade/>
+      </p:transition>
+    </mc:Fallback>
+  </mc:AlternateContent>
+</p:sld>
+</file>
+
+<file path=ppt/slides/slide13.xml><?xml version="1.0" encoding="utf-8"?>
+<p:sld xmlns:a="http://schemas.openxmlformats.org/drawingml/2006/main" xmlns:r="http://schemas.openxmlformats.org/officeDocument/2006/relationships" xmlns:p="http://schemas.openxmlformats.org/presentationml/2006/main">
+  <p:cSld>
+    <p:spTree>
+      <p:nvGrpSpPr>
+        <p:cNvPr id="1" name=""/>
+        <p:cNvGrpSpPr/>
+        <p:nvPr/>
+      </p:nvGrpSpPr>
+      <p:grpSpPr>
+        <a:xfrm>
+          <a:off x="0" y="0"/>
+          <a:ext cx="0" cy="0"/>
+          <a:chOff x="0" y="0"/>
+          <a:chExt cx="0" cy="0"/>
+        </a:xfrm>
+      </p:grpSpPr>
+      <p:sp>
+        <p:nvSpPr>
+          <p:cNvPr id="5" name="Title 1">
+            <a:extLst>
+              <a:ext uri="{FF2B5EF4-FFF2-40B4-BE49-F238E27FC236}">
+                <a16:creationId xmlns:a16="http://schemas.microsoft.com/office/drawing/2014/main" id="{D9450520-05F5-45C2-9C1F-9E9CCE65CBE6}"/>
+              </a:ext>
+            </a:extLst>
+          </p:cNvPr>
+          <p:cNvSpPr txBox="1">
+            <a:spLocks/>
+          </p:cNvSpPr>
+          <p:nvPr/>
+        </p:nvSpPr>
+        <p:spPr>
+          <a:xfrm>
+            <a:off x="0" y="0"/>
+            <a:ext cx="10098158" cy="649357"/>
+          </a:xfrm>
+          <a:prstGeom prst="rect">
+            <a:avLst/>
+          </a:prstGeom>
+        </p:spPr>
+        <p:txBody>
+          <a:bodyPr vert="horz" lIns="91440" tIns="45720" rIns="91440" bIns="45720" rtlCol="0" anchor="b">
+            <a:normAutofit/>
+          </a:bodyPr>
+          <a:lstStyle>
+            <a:lvl1pPr algn="l" defTabSz="914400" rtl="0" eaLnBrk="1" latinLnBrk="0" hangingPunct="1">
+              <a:lnSpc>
+                <a:spcPct val="90000"/>
+              </a:lnSpc>
+              <a:spcBef>
+                <a:spcPct val="0"/>
+              </a:spcBef>
+              <a:buNone/>
+              <a:defRPr sz="3200" b="1" kern="1200" cap="all" baseline="0">
+                <a:solidFill>
+                  <a:schemeClr val="accent1"/>
+                </a:solidFill>
+                <a:effectLst>
+                  <a:outerShdw blurRad="38100" dist="25400" dir="18900000" algn="bl" rotWithShape="0">
+                    <a:schemeClr val="bg1">
+                      <a:alpha val="80000"/>
+                    </a:schemeClr>
+                  </a:outerShdw>
+                </a:effectLst>
+                <a:latin typeface="+mj-lt"/>
+                <a:ea typeface="+mj-ea"/>
+                <a:cs typeface="+mj-cs"/>
+              </a:defRPr>
+            </a:lvl1pPr>
+          </a:lstStyle>
+          <a:p>
+            <a:r>
+              <a:rPr lang="en-US" altLang="zh-CN" sz="2800" dirty="0"/>
+              <a:t>What we learned </a:t>
+            </a:r>
+            <a:r>
+              <a:rPr lang="en-US" altLang="zh-CN" sz="2900" dirty="0"/>
+              <a:t>1 page  by </a:t>
+            </a:r>
+            <a:r>
+              <a:rPr lang="en-US" altLang="zh-CN" sz="2900" dirty="0" err="1"/>
+              <a:t>jing</a:t>
+            </a:r>
+            <a:r>
+              <a:rPr lang="en-US" altLang="zh-CN" sz="2900" dirty="0"/>
+              <a:t> wang</a:t>
+            </a:r>
+            <a:endParaRPr lang="en-US" sz="2900" dirty="0"/>
+          </a:p>
+        </p:txBody>
+      </p:sp>
+    </p:spTree>
+    <p:extLst>
+      <p:ext uri="{BB962C8B-B14F-4D97-AF65-F5344CB8AC3E}">
+        <p14:creationId xmlns:p14="http://schemas.microsoft.com/office/powerpoint/2010/main" val="4086661673"/>
+      </p:ext>
+    </p:extLst>
+  </p:cSld>
+  <p:clrMapOvr>
+    <a:masterClrMapping/>
+  </p:clrMapOvr>
+  <mc:AlternateContent xmlns:mc="http://schemas.openxmlformats.org/markup-compatibility/2006" xmlns:p14="http://schemas.microsoft.com/office/powerpoint/2010/main">
+    <mc:Choice Requires="p14">
+      <p:transition spd="med" p14:dur="700">
+        <p:fade/>
+      </p:transition>
+    </mc:Choice>
+    <mc:Fallback xmlns="">
+      <p:transition spd="med">
+        <p:fade/>
+      </p:transition>
+    </mc:Fallback>
+  </mc:AlternateContent>
+</p:sld>
+</file>
+
+<file path=ppt/slides/slide14.xml><?xml version="1.0" encoding="utf-8"?>
+<p:sld xmlns:a="http://schemas.openxmlformats.org/drawingml/2006/main" xmlns:r="http://schemas.openxmlformats.org/officeDocument/2006/relationships" xmlns:p="http://schemas.openxmlformats.org/presentationml/2006/main">
+  <p:cSld>
+    <p:spTree>
+      <p:nvGrpSpPr>
+        <p:cNvPr id="1" name=""/>
+        <p:cNvGrpSpPr/>
+        <p:nvPr/>
+      </p:nvGrpSpPr>
+      <p:grpSpPr>
+        <a:xfrm>
+          <a:off x="0" y="0"/>
+          <a:ext cx="0" cy="0"/>
+          <a:chOff x="0" y="0"/>
+          <a:chExt cx="0" cy="0"/>
+        </a:xfrm>
+      </p:grpSpPr>
+      <p:sp>
+        <p:nvSpPr>
+          <p:cNvPr id="2" name="Title 1"/>
+          <p:cNvSpPr>
+            <a:spLocks noGrp="1"/>
+          </p:cNvSpPr>
+          <p:nvPr>
+            <p:ph type="title"/>
+          </p:nvPr>
+        </p:nvSpPr>
+        <p:spPr>
+          <a:xfrm>
+            <a:off x="7931427" y="212035"/>
+            <a:ext cx="3810000" cy="1453186"/>
+          </a:xfrm>
+        </p:spPr>
+        <p:txBody>
+          <a:bodyPr/>
+          <a:lstStyle/>
+          <a:p>
+            <a:r>
+              <a:rPr lang="en-US" altLang="zh-CN" dirty="0"/>
+              <a:t>Future work</a:t>
+            </a:r>
+            <a:endParaRPr lang="en-US" dirty="0"/>
+          </a:p>
+        </p:txBody>
+      </p:sp>
+      <p:sp>
+        <p:nvSpPr>
+          <p:cNvPr id="3" name="Text Placeholder 2"/>
+          <p:cNvSpPr>
+            <a:spLocks noGrp="1"/>
+          </p:cNvSpPr>
+          <p:nvPr>
+            <p:ph type="body" idx="1"/>
+          </p:nvPr>
+        </p:nvSpPr>
+        <p:spPr>
+          <a:xfrm>
+            <a:off x="0" y="421230"/>
+            <a:ext cx="5943600" cy="410547"/>
+          </a:xfrm>
+        </p:spPr>
+        <p:txBody>
+          <a:bodyPr/>
+          <a:lstStyle/>
+          <a:p>
+            <a:r>
+              <a:rPr lang="en-US" dirty="0"/>
+              <a:t>By </a:t>
+            </a:r>
+            <a:r>
+              <a:rPr lang="en-US" dirty="0" err="1"/>
+              <a:t>jing</a:t>
+            </a:r>
+            <a:endParaRPr lang="en-US" dirty="0"/>
+          </a:p>
+        </p:txBody>
+      </p:sp>
+    </p:spTree>
+    <p:extLst>
+      <p:ext uri="{BB962C8B-B14F-4D97-AF65-F5344CB8AC3E}">
+        <p14:creationId xmlns:p14="http://schemas.microsoft.com/office/powerpoint/2010/main" val="2403148182"/>
+      </p:ext>
+    </p:extLst>
+  </p:cSld>
+  <p:clrMapOvr>
+    <a:masterClrMapping/>
+  </p:clrMapOvr>
+  <mc:AlternateContent xmlns:mc="http://schemas.openxmlformats.org/markup-compatibility/2006" xmlns:p14="http://schemas.microsoft.com/office/powerpoint/2010/main">
+    <mc:Choice Requires="p14">
+      <p:transition spd="med" p14:dur="700">
+        <p:fade/>
+      </p:transition>
+    </mc:Choice>
+    <mc:Fallback xmlns="">
+      <p:transition spd="med">
+        <p:fade/>
+      </p:transition>
+    </mc:Fallback>
+  </mc:AlternateContent>
+</p:sld>
+</file>
+
+<file path=ppt/slides/slide15.xml><?xml version="1.0" encoding="utf-8"?>
+<p:sld xmlns:a="http://schemas.openxmlformats.org/drawingml/2006/main" xmlns:r="http://schemas.openxmlformats.org/officeDocument/2006/relationships" xmlns:p="http://schemas.openxmlformats.org/presentationml/2006/main">
+  <p:cSld>
+    <p:spTree>
+      <p:nvGrpSpPr>
+        <p:cNvPr id="1" name=""/>
+        <p:cNvGrpSpPr/>
+        <p:nvPr/>
+      </p:nvGrpSpPr>
+      <p:grpSpPr>
+        <a:xfrm>
+          <a:off x="0" y="0"/>
+          <a:ext cx="0" cy="0"/>
+          <a:chOff x="0" y="0"/>
+          <a:chExt cx="0" cy="0"/>
+        </a:xfrm>
+      </p:grpSpPr>
+      <p:sp>
+        <p:nvSpPr>
+          <p:cNvPr id="2" name="Title 1"/>
+          <p:cNvSpPr>
+            <a:spLocks noGrp="1"/>
+          </p:cNvSpPr>
+          <p:nvPr>
+            <p:ph type="title"/>
+          </p:nvPr>
+        </p:nvSpPr>
+        <p:spPr>
+          <a:xfrm>
             <a:off x="7931427" y="212035"/>
             <a:ext cx="3810000" cy="1453186"/>
           </a:xfrm>
@@ -8268,7 +8747,7 @@
 </p:sld>
 </file>
 
-<file path=ppt/slides/slide11.xml><?xml version="1.0" encoding="utf-8"?>
+<file path=ppt/slides/slide16.xml><?xml version="1.0" encoding="utf-8"?>
 <p:sld xmlns:a="http://schemas.openxmlformats.org/drawingml/2006/main" xmlns:r="http://schemas.openxmlformats.org/officeDocument/2006/relationships" xmlns:p="http://schemas.openxmlformats.org/presentationml/2006/main">
   <p:cSld>
     <p:spTree>
@@ -8357,7 +8836,7 @@
 </p:sld>
 </file>
 
-<file path=ppt/slides/slide12.xml><?xml version="1.0" encoding="utf-8"?>
+<file path=ppt/slides/slide17.xml><?xml version="1.0" encoding="utf-8"?>
 <p:sld xmlns:a="http://schemas.openxmlformats.org/drawingml/2006/main" xmlns:r="http://schemas.openxmlformats.org/officeDocument/2006/relationships" xmlns:p="http://schemas.openxmlformats.org/presentationml/2006/main">
   <p:cSld>
     <p:spTree>
@@ -8440,7 +8919,7 @@
             <p:ph sz="half" idx="2"/>
             <p:extLst>
               <p:ext uri="{D42A27DB-BD31-4B8C-83A1-F6EECF244321}">
-                <p14:modId xmlns:p14="http://schemas.microsoft.com/office/powerpoint/2010/main" val="841279628"/>
+                <p14:modId xmlns:p14="http://schemas.microsoft.com/office/powerpoint/2010/main" val="267719671"/>
               </p:ext>
             </p:extLst>
           </p:nvPr>
@@ -8456,24 +8935,31 @@
                 <a:tableStyleId>{B301B821-A1FF-4177-AEE7-76D212191A09}</a:tableStyleId>
               </a:tblPr>
               <a:tblGrid>
-                <a:gridCol w="1574800">
+                <a:gridCol w="1181100">
                   <a:extLst>
                     <a:ext uri="{9D8B030D-6E8A-4147-A177-3AD203B41FA5}">
                       <a16:colId xmlns:a16="http://schemas.microsoft.com/office/drawing/2014/main" val="20000"/>
                     </a:ext>
                   </a:extLst>
                 </a:gridCol>
-                <a:gridCol w="1574800">
+                <a:gridCol w="1181100">
                   <a:extLst>
                     <a:ext uri="{9D8B030D-6E8A-4147-A177-3AD203B41FA5}">
                       <a16:colId xmlns:a16="http://schemas.microsoft.com/office/drawing/2014/main" val="20001"/>
                     </a:ext>
                   </a:extLst>
                 </a:gridCol>
-                <a:gridCol w="1574800">
+                <a:gridCol w="1181100">
                   <a:extLst>
                     <a:ext uri="{9D8B030D-6E8A-4147-A177-3AD203B41FA5}">
                       <a16:colId xmlns:a16="http://schemas.microsoft.com/office/drawing/2014/main" val="20002"/>
+                    </a:ext>
+                  </a:extLst>
+                </a:gridCol>
+                <a:gridCol w="1181100">
+                  <a:extLst>
+                    <a:ext uri="{9D8B030D-6E8A-4147-A177-3AD203B41FA5}">
+                      <a16:colId xmlns:a16="http://schemas.microsoft.com/office/drawing/2014/main" val="3032194331"/>
                     </a:ext>
                   </a:extLst>
                 </a:gridCol>
@@ -8516,6 +9002,17 @@
                         <a:rPr lang="en-US" dirty="0"/>
                         <a:t>Group 2</a:t>
                       </a:r>
+                    </a:p>
+                  </a:txBody>
+                  <a:tcPr anchor="ctr"/>
+                </a:tc>
+                <a:tc>
+                  <a:txBody>
+                    <a:bodyPr/>
+                    <a:lstStyle/>
+                    <a:p>
+                      <a:pPr algn="ctr"/>
+                      <a:endParaRPr lang="en-US" dirty="0"/>
                     </a:p>
                   </a:txBody>
                   <a:tcPr anchor="ctr"/>
@@ -8568,6 +9065,17 @@
                   </a:txBody>
                   <a:tcPr anchor="ctr"/>
                 </a:tc>
+                <a:tc>
+                  <a:txBody>
+                    <a:bodyPr/>
+                    <a:lstStyle/>
+                    <a:p>
+                      <a:pPr algn="ctr"/>
+                      <a:endParaRPr lang="en-US" dirty="0"/>
+                    </a:p>
+                  </a:txBody>
+                  <a:tcPr anchor="ctr"/>
+                </a:tc>
                 <a:extLst>
                   <a:ext uri="{0D108BD9-81ED-4DB2-BD59-A6C34878D82A}">
                     <a16:rowId xmlns:a16="http://schemas.microsoft.com/office/drawing/2014/main" val="10001"/>
@@ -8612,6 +9120,17 @@
                         <a:rPr lang="en-US" dirty="0"/>
                         <a:t>88</a:t>
                       </a:r>
+                    </a:p>
+                  </a:txBody>
+                  <a:tcPr anchor="ctr"/>
+                </a:tc>
+                <a:tc>
+                  <a:txBody>
+                    <a:bodyPr/>
+                    <a:lstStyle/>
+                    <a:p>
+                      <a:pPr algn="ctr"/>
+                      <a:endParaRPr lang="en-US" dirty="0"/>
                     </a:p>
                   </a:txBody>
                   <a:tcPr anchor="ctr"/>
@@ -8664,6 +9183,17 @@
                   </a:txBody>
                   <a:tcPr anchor="ctr"/>
                 </a:tc>
+                <a:tc>
+                  <a:txBody>
+                    <a:bodyPr/>
+                    <a:lstStyle/>
+                    <a:p>
+                      <a:pPr algn="ctr"/>
+                      <a:endParaRPr lang="en-US" dirty="0"/>
+                    </a:p>
+                  </a:txBody>
+                  <a:tcPr anchor="ctr"/>
+                </a:tc>
                 <a:extLst>
                   <a:ext uri="{0D108BD9-81ED-4DB2-BD59-A6C34878D82A}">
                     <a16:rowId xmlns:a16="http://schemas.microsoft.com/office/drawing/2014/main" val="10003"/>
@@ -8699,7 +9229,7 @@
 </p:sld>
 </file>
 
-<file path=ppt/slides/slide13.xml><?xml version="1.0" encoding="utf-8"?>
+<file path=ppt/slides/slide18.xml><?xml version="1.0" encoding="utf-8"?>
 <p:sld xmlns:a="http://schemas.openxmlformats.org/drawingml/2006/main" xmlns:r="http://schemas.openxmlformats.org/officeDocument/2006/relationships" xmlns:p="http://schemas.openxmlformats.org/presentationml/2006/main">
   <p:cSld>
     <p:spTree>
@@ -8822,7 +9352,7 @@
 </p:sld>
 </file>
 
-<file path=ppt/slides/slide14.xml><?xml version="1.0" encoding="utf-8"?>
+<file path=ppt/slides/slide19.xml><?xml version="1.0" encoding="utf-8"?>
 <p:sld xmlns:a="http://schemas.openxmlformats.org/drawingml/2006/main" xmlns:r="http://schemas.openxmlformats.org/officeDocument/2006/relationships" xmlns:p="http://schemas.openxmlformats.org/presentationml/2006/main">
   <p:cSld>
     <p:spTree>
@@ -8905,7 +9435,129 @@
 </p:sld>
 </file>
 
-<file path=ppt/slides/slide15.xml><?xml version="1.0" encoding="utf-8"?>
+<file path=ppt/slides/slide2.xml><?xml version="1.0" encoding="utf-8"?>
+<p:sld xmlns:a="http://schemas.openxmlformats.org/drawingml/2006/main" xmlns:r="http://schemas.openxmlformats.org/officeDocument/2006/relationships" xmlns:p="http://schemas.openxmlformats.org/presentationml/2006/main">
+  <p:cSld>
+    <p:spTree>
+      <p:nvGrpSpPr>
+        <p:cNvPr id="1" name=""/>
+        <p:cNvGrpSpPr/>
+        <p:nvPr/>
+      </p:nvGrpSpPr>
+      <p:grpSpPr>
+        <a:xfrm>
+          <a:off x="0" y="0"/>
+          <a:ext cx="0" cy="0"/>
+          <a:chOff x="0" y="0"/>
+          <a:chExt cx="0" cy="0"/>
+        </a:xfrm>
+      </p:grpSpPr>
+      <p:sp>
+        <p:nvSpPr>
+          <p:cNvPr id="2" name="Title 1"/>
+          <p:cNvSpPr>
+            <a:spLocks noGrp="1"/>
+          </p:cNvSpPr>
+          <p:nvPr>
+            <p:ph type="title"/>
+          </p:nvPr>
+        </p:nvSpPr>
+        <p:spPr/>
+        <p:txBody>
+          <a:bodyPr/>
+          <a:lstStyle/>
+          <a:p>
+            <a:r>
+              <a:rPr lang="en-US" dirty="0"/>
+              <a:t>Agenda</a:t>
+            </a:r>
+          </a:p>
+        </p:txBody>
+      </p:sp>
+      <p:sp>
+        <p:nvSpPr>
+          <p:cNvPr id="3" name="Content Placeholder 2"/>
+          <p:cNvSpPr>
+            <a:spLocks noGrp="1"/>
+          </p:cNvSpPr>
+          <p:nvPr>
+            <p:ph idx="1"/>
+          </p:nvPr>
+        </p:nvSpPr>
+        <p:spPr/>
+        <p:txBody>
+          <a:bodyPr/>
+          <a:lstStyle/>
+          <a:p>
+            <a:r>
+              <a:rPr lang="en-US" dirty="0"/>
+              <a:t>Background</a:t>
+            </a:r>
+          </a:p>
+          <a:p>
+            <a:r>
+              <a:rPr lang="en-US" dirty="0"/>
+              <a:t>Solution Overview</a:t>
+            </a:r>
+          </a:p>
+          <a:p>
+            <a:r>
+              <a:rPr lang="en-US" dirty="0"/>
+              <a:t>Challenges and Solutions</a:t>
+            </a:r>
+          </a:p>
+          <a:p>
+            <a:r>
+              <a:rPr lang="en-US" dirty="0"/>
+              <a:t>What we learned</a:t>
+            </a:r>
+          </a:p>
+          <a:p>
+            <a:r>
+              <a:rPr lang="en-US" dirty="0"/>
+              <a:t>Future work</a:t>
+            </a:r>
+          </a:p>
+          <a:p>
+            <a:r>
+              <a:rPr lang="en-US" dirty="0"/>
+              <a:t>Summary</a:t>
+            </a:r>
+          </a:p>
+          <a:p>
+            <a:endParaRPr lang="en-US" dirty="0"/>
+          </a:p>
+          <a:p>
+            <a:endParaRPr lang="en-US" dirty="0"/>
+          </a:p>
+        </p:txBody>
+      </p:sp>
+    </p:spTree>
+    <p:extLst>
+      <p:ext uri="{BB962C8B-B14F-4D97-AF65-F5344CB8AC3E}">
+        <p14:creationId xmlns:p14="http://schemas.microsoft.com/office/powerpoint/2010/main" val="142462048"/>
+      </p:ext>
+    </p:extLst>
+  </p:cSld>
+  <p:clrMapOvr>
+    <a:masterClrMapping/>
+  </p:clrMapOvr>
+  <mc:AlternateContent xmlns:mc="http://schemas.openxmlformats.org/markup-compatibility/2006" xmlns:p14="http://schemas.microsoft.com/office/powerpoint/2010/main">
+    <mc:Choice Requires="p14">
+      <p:transition spd="med" p14:dur="700">
+        <p:fade/>
+      </p:transition>
+    </mc:Choice>
+    <mc:Fallback xmlns="">
+      <p:transition spd="med">
+        <p:fade/>
+      </p:transition>
+    </mc:Fallback>
+  </mc:AlternateContent>
+</p:sld>
+</file>
+
+<file path=ppt/slides/slide20.xml><?xml version="1.0" encoding="utf-8"?>
 <p:sld xmlns:a="http://schemas.openxmlformats.org/drawingml/2006/main" xmlns:r="http://schemas.openxmlformats.org/officeDocument/2006/relationships" xmlns:p="http://schemas.openxmlformats.org/presentationml/2006/main">
   <p:cSld>
     <p:spTree>
@@ -9045,7 +9697,7 @@
 </p:sld>
 </file>
 
-<file path=ppt/slides/slide16.xml><?xml version="1.0" encoding="utf-8"?>
+<file path=ppt/slides/slide21.xml><?xml version="1.0" encoding="utf-8"?>
 <p:sld xmlns:a="http://schemas.openxmlformats.org/drawingml/2006/main" xmlns:r="http://schemas.openxmlformats.org/officeDocument/2006/relationships" xmlns:p="http://schemas.openxmlformats.org/presentationml/2006/main">
   <p:cSld>
     <p:spTree>
@@ -9109,7 +9761,7 @@
 </p:sld>
 </file>
 
-<file path=ppt/slides/slide17.xml><?xml version="1.0" encoding="utf-8"?>
+<file path=ppt/slides/slide22.xml><?xml version="1.0" encoding="utf-8"?>
 <p:sld xmlns:a="http://schemas.openxmlformats.org/drawingml/2006/main" xmlns:r="http://schemas.openxmlformats.org/officeDocument/2006/relationships" xmlns:p="http://schemas.openxmlformats.org/presentationml/2006/main">
   <p:cSld>
     <p:spTree>
@@ -9151,7 +9803,7 @@
 </p:sld>
 </file>
 
-<file path=ppt/slides/slide18.xml><?xml version="1.0" encoding="utf-8"?>
+<file path=ppt/slides/slide23.xml><?xml version="1.0" encoding="utf-8"?>
 <p:sld xmlns:a="http://schemas.openxmlformats.org/drawingml/2006/main" xmlns:r="http://schemas.openxmlformats.org/officeDocument/2006/relationships" xmlns:p="http://schemas.openxmlformats.org/presentationml/2006/main">
   <p:cSld>
     <p:spTree>
@@ -9253,7 +9905,7 @@
 </p:sld>
 </file>
 
-<file path=ppt/slides/slide19.xml><?xml version="1.0" encoding="utf-8"?>
+<file path=ppt/slides/slide24.xml><?xml version="1.0" encoding="utf-8"?>
 <p:sld xmlns:a="http://schemas.openxmlformats.org/drawingml/2006/main" xmlns:r="http://schemas.openxmlformats.org/officeDocument/2006/relationships" xmlns:p="http://schemas.openxmlformats.org/presentationml/2006/main">
   <p:cSld>
     <p:spTree>
@@ -9327,128 +9979,6 @@
     <p:extLst>
       <p:ext uri="{BB962C8B-B14F-4D97-AF65-F5344CB8AC3E}">
         <p14:creationId xmlns:p14="http://schemas.microsoft.com/office/powerpoint/2010/main" val="3392644443"/>
-      </p:ext>
-    </p:extLst>
-  </p:cSld>
-  <p:clrMapOvr>
-    <a:masterClrMapping/>
-  </p:clrMapOvr>
-  <mc:AlternateContent xmlns:mc="http://schemas.openxmlformats.org/markup-compatibility/2006" xmlns:p14="http://schemas.microsoft.com/office/powerpoint/2010/main">
-    <mc:Choice Requires="p14">
-      <p:transition spd="med" p14:dur="700">
-        <p:fade/>
-      </p:transition>
-    </mc:Choice>
-    <mc:Fallback xmlns="">
-      <p:transition spd="med">
-        <p:fade/>
-      </p:transition>
-    </mc:Fallback>
-  </mc:AlternateContent>
-</p:sld>
-</file>
-
-<file path=ppt/slides/slide2.xml><?xml version="1.0" encoding="utf-8"?>
-<p:sld xmlns:a="http://schemas.openxmlformats.org/drawingml/2006/main" xmlns:r="http://schemas.openxmlformats.org/officeDocument/2006/relationships" xmlns:p="http://schemas.openxmlformats.org/presentationml/2006/main">
-  <p:cSld>
-    <p:spTree>
-      <p:nvGrpSpPr>
-        <p:cNvPr id="1" name=""/>
-        <p:cNvGrpSpPr/>
-        <p:nvPr/>
-      </p:nvGrpSpPr>
-      <p:grpSpPr>
-        <a:xfrm>
-          <a:off x="0" y="0"/>
-          <a:ext cx="0" cy="0"/>
-          <a:chOff x="0" y="0"/>
-          <a:chExt cx="0" cy="0"/>
-        </a:xfrm>
-      </p:grpSpPr>
-      <p:sp>
-        <p:nvSpPr>
-          <p:cNvPr id="2" name="Title 1"/>
-          <p:cNvSpPr>
-            <a:spLocks noGrp="1"/>
-          </p:cNvSpPr>
-          <p:nvPr>
-            <p:ph type="title"/>
-          </p:nvPr>
-        </p:nvSpPr>
-        <p:spPr/>
-        <p:txBody>
-          <a:bodyPr/>
-          <a:lstStyle/>
-          <a:p>
-            <a:r>
-              <a:rPr lang="en-US" dirty="0"/>
-              <a:t>Agenda</a:t>
-            </a:r>
-          </a:p>
-        </p:txBody>
-      </p:sp>
-      <p:sp>
-        <p:nvSpPr>
-          <p:cNvPr id="3" name="Content Placeholder 2"/>
-          <p:cNvSpPr>
-            <a:spLocks noGrp="1"/>
-          </p:cNvSpPr>
-          <p:nvPr>
-            <p:ph idx="1"/>
-          </p:nvPr>
-        </p:nvSpPr>
-        <p:spPr/>
-        <p:txBody>
-          <a:bodyPr/>
-          <a:lstStyle/>
-          <a:p>
-            <a:r>
-              <a:rPr lang="en-US" dirty="0"/>
-              <a:t>Background</a:t>
-            </a:r>
-          </a:p>
-          <a:p>
-            <a:r>
-              <a:rPr lang="en-US" dirty="0"/>
-              <a:t>Solution Overview</a:t>
-            </a:r>
-          </a:p>
-          <a:p>
-            <a:r>
-              <a:rPr lang="en-US" dirty="0"/>
-              <a:t>Challenges and Solutions</a:t>
-            </a:r>
-          </a:p>
-          <a:p>
-            <a:r>
-              <a:rPr lang="en-US" dirty="0"/>
-              <a:t>What we learned</a:t>
-            </a:r>
-          </a:p>
-          <a:p>
-            <a:r>
-              <a:rPr lang="en-US" dirty="0"/>
-              <a:t>Future work</a:t>
-            </a:r>
-          </a:p>
-          <a:p>
-            <a:r>
-              <a:rPr lang="en-US" dirty="0"/>
-              <a:t>Summary</a:t>
-            </a:r>
-          </a:p>
-          <a:p>
-            <a:endParaRPr lang="en-US" dirty="0"/>
-          </a:p>
-          <a:p>
-            <a:endParaRPr lang="en-US" dirty="0"/>
-          </a:p>
-        </p:txBody>
-      </p:sp>
-    </p:spTree>
-    <p:extLst>
-      <p:ext uri="{BB962C8B-B14F-4D97-AF65-F5344CB8AC3E}">
-        <p14:creationId xmlns:p14="http://schemas.microsoft.com/office/powerpoint/2010/main" val="142462048"/>
       </p:ext>
     </p:extLst>
   </p:cSld>
@@ -9510,67 +10040,1078 @@
           <a:lstStyle/>
           <a:p>
             <a:r>
-              <a:rPr lang="en-US" dirty="0"/>
+              <a:rPr lang="en-US" sz="4800" dirty="0"/>
               <a:t>Background  by </a:t>
             </a:r>
             <a:r>
-              <a:rPr lang="en-US" dirty="0" err="1"/>
+              <a:rPr lang="en-US" sz="4800" dirty="0" err="1"/>
               <a:t>jie</a:t>
             </a:r>
             <a:r>
-              <a:rPr lang="en-US" dirty="0"/>
+              <a:rPr lang="en-US" sz="4800" dirty="0"/>
               <a:t> </a:t>
             </a:r>
             <a:r>
-              <a:rPr lang="en-US" dirty="0" err="1"/>
+              <a:rPr lang="en-US" sz="4800" dirty="0" err="1"/>
               <a:t>zhu</a:t>
             </a:r>
             <a:r>
-              <a:rPr lang="en-US" dirty="0"/>
+              <a:rPr lang="en-US" sz="4800" dirty="0"/>
               <a:t> </a:t>
             </a:r>
           </a:p>
         </p:txBody>
       </p:sp>
-      <p:sp>
-        <p:nvSpPr>
-          <p:cNvPr id="3" name="Text Placeholder 2"/>
-          <p:cNvSpPr>
-            <a:spLocks noGrp="1"/>
-          </p:cNvSpPr>
+      <p:graphicFrame>
+        <p:nvGraphicFramePr>
+          <p:cNvPr id="4" name="Content Placeholder 4">
+            <a:extLst>
+              <a:ext uri="{FF2B5EF4-FFF2-40B4-BE49-F238E27FC236}">
+                <a16:creationId xmlns:a16="http://schemas.microsoft.com/office/drawing/2014/main" id="{9B2E7471-1D74-4334-8B3A-CF071B47F287}"/>
+              </a:ext>
+            </a:extLst>
+          </p:cNvPr>
+          <p:cNvGraphicFramePr>
+            <a:graphicFrameLocks/>
+          </p:cNvGraphicFramePr>
           <p:nvPr>
-            <p:ph type="body" idx="1"/>
+            <p:extLst>
+              <p:ext uri="{D42A27DB-BD31-4B8C-83A1-F6EECF244321}">
+                <p14:modId xmlns:p14="http://schemas.microsoft.com/office/powerpoint/2010/main" val="2402584322"/>
+              </p:ext>
+            </p:extLst>
           </p:nvPr>
+        </p:nvGraphicFramePr>
+        <p:xfrm>
+          <a:off x="139149" y="1091628"/>
+          <a:ext cx="4260574" cy="5674025"/>
+        </p:xfrm>
+        <a:graphic>
+          <a:graphicData uri="http://schemas.openxmlformats.org/drawingml/2006/table">
+            <a:tbl>
+              <a:tblPr firstRow="1" bandRow="1">
+                <a:tableStyleId>{B301B821-A1FF-4177-AEE7-76D212191A09}</a:tableStyleId>
+              </a:tblPr>
+              <a:tblGrid>
+                <a:gridCol w="2220649">
+                  <a:extLst>
+                    <a:ext uri="{9D8B030D-6E8A-4147-A177-3AD203B41FA5}">
+                      <a16:colId xmlns:a16="http://schemas.microsoft.com/office/drawing/2014/main" val="20000"/>
+                    </a:ext>
+                  </a:extLst>
+                </a:gridCol>
+                <a:gridCol w="1006392">
+                  <a:extLst>
+                    <a:ext uri="{9D8B030D-6E8A-4147-A177-3AD203B41FA5}">
+                      <a16:colId xmlns:a16="http://schemas.microsoft.com/office/drawing/2014/main" val="20001"/>
+                    </a:ext>
+                  </a:extLst>
+                </a:gridCol>
+                <a:gridCol w="1033533">
+                  <a:extLst>
+                    <a:ext uri="{9D8B030D-6E8A-4147-A177-3AD203B41FA5}">
+                      <a16:colId xmlns:a16="http://schemas.microsoft.com/office/drawing/2014/main" val="20002"/>
+                    </a:ext>
+                  </a:extLst>
+                </a:gridCol>
+              </a:tblGrid>
+              <a:tr h="710667">
+                <a:tc>
+                  <a:txBody>
+                    <a:bodyPr/>
+                    <a:lstStyle/>
+                    <a:p>
+                      <a:r>
+                        <a:rPr lang="en-US" altLang="zh-CN" dirty="0"/>
+                        <a:t>Features</a:t>
+                      </a:r>
+                      <a:endParaRPr lang="en-US" dirty="0"/>
+                    </a:p>
+                  </a:txBody>
+                  <a:tcPr anchor="ctr"/>
+                </a:tc>
+                <a:tc>
+                  <a:txBody>
+                    <a:bodyPr/>
+                    <a:lstStyle/>
+                    <a:p>
+                      <a:pPr algn="ctr"/>
+                      <a:r>
+                        <a:rPr lang="en-US" altLang="zh-CN" dirty="0"/>
+                        <a:t>UPS</a:t>
+                      </a:r>
+                      <a:endParaRPr lang="en-US" dirty="0"/>
+                    </a:p>
+                  </a:txBody>
+                  <a:tcPr anchor="ctr"/>
+                </a:tc>
+                <a:tc>
+                  <a:txBody>
+                    <a:bodyPr/>
+                    <a:lstStyle/>
+                    <a:p>
+                      <a:pPr algn="ctr"/>
+                      <a:r>
+                        <a:rPr lang="en-US" altLang="zh-CN" dirty="0"/>
+                        <a:t>Super</a:t>
+                      </a:r>
+                    </a:p>
+                    <a:p>
+                      <a:pPr algn="ctr"/>
+                      <a:r>
+                        <a:rPr lang="en-US" altLang="zh-CN" dirty="0"/>
+                        <a:t>Express</a:t>
+                      </a:r>
+                      <a:endParaRPr lang="en-US" dirty="0"/>
+                    </a:p>
+                  </a:txBody>
+                  <a:tcPr anchor="ctr"/>
+                </a:tc>
+                <a:extLst>
+                  <a:ext uri="{0D108BD9-81ED-4DB2-BD59-A6C34878D82A}">
+                    <a16:rowId xmlns:a16="http://schemas.microsoft.com/office/drawing/2014/main" val="10000"/>
+                  </a:ext>
+                </a:extLst>
+              </a:tr>
+              <a:tr h="495903">
+                <a:tc>
+                  <a:txBody>
+                    <a:bodyPr/>
+                    <a:lstStyle/>
+                    <a:p>
+                      <a:r>
+                        <a:rPr lang="en-US" altLang="zh-CN" dirty="0"/>
+                        <a:t>Track</a:t>
+                      </a:r>
+                      <a:endParaRPr lang="en-US" dirty="0"/>
+                    </a:p>
+                  </a:txBody>
+                  <a:tcPr anchor="ctr"/>
+                </a:tc>
+                <a:tc>
+                  <a:txBody>
+                    <a:bodyPr/>
+                    <a:lstStyle/>
+                    <a:p>
+                      <a:pPr algn="ctr"/>
+                      <a:r>
+                        <a:rPr lang="en-US" dirty="0"/>
+                        <a:t>82</a:t>
+                      </a:r>
+                    </a:p>
+                  </a:txBody>
+                  <a:tcPr anchor="ctr"/>
+                </a:tc>
+                <a:tc>
+                  <a:txBody>
+                    <a:bodyPr/>
+                    <a:lstStyle/>
+                    <a:p>
+                      <a:pPr algn="ctr"/>
+                      <a:r>
+                        <a:rPr lang="en-US" dirty="0"/>
+                        <a:t>95</a:t>
+                      </a:r>
+                    </a:p>
+                  </a:txBody>
+                  <a:tcPr anchor="ctr"/>
+                </a:tc>
+                <a:extLst>
+                  <a:ext uri="{0D108BD9-81ED-4DB2-BD59-A6C34878D82A}">
+                    <a16:rowId xmlns:a16="http://schemas.microsoft.com/office/drawing/2014/main" val="10001"/>
+                  </a:ext>
+                </a:extLst>
+              </a:tr>
+              <a:tr h="546564">
+                <a:tc>
+                  <a:txBody>
+                    <a:bodyPr/>
+                    <a:lstStyle/>
+                    <a:p>
+                      <a:r>
+                        <a:rPr lang="en-US" altLang="zh-CN" dirty="0"/>
+                        <a:t>Track on map</a:t>
+                      </a:r>
+                      <a:endParaRPr lang="en-US" dirty="0"/>
+                    </a:p>
+                  </a:txBody>
+                  <a:tcPr anchor="ctr"/>
+                </a:tc>
+                <a:tc>
+                  <a:txBody>
+                    <a:bodyPr/>
+                    <a:lstStyle/>
+                    <a:p>
+                      <a:pPr algn="ctr"/>
+                      <a:r>
+                        <a:rPr lang="en-US" dirty="0"/>
+                        <a:t>76</a:t>
+                      </a:r>
+                    </a:p>
+                  </a:txBody>
+                  <a:tcPr anchor="ctr"/>
+                </a:tc>
+                <a:tc>
+                  <a:txBody>
+                    <a:bodyPr/>
+                    <a:lstStyle/>
+                    <a:p>
+                      <a:pPr algn="ctr"/>
+                      <a:r>
+                        <a:rPr lang="en-US" dirty="0"/>
+                        <a:t>88</a:t>
+                      </a:r>
+                    </a:p>
+                  </a:txBody>
+                  <a:tcPr anchor="ctr"/>
+                </a:tc>
+                <a:extLst>
+                  <a:ext uri="{0D108BD9-81ED-4DB2-BD59-A6C34878D82A}">
+                    <a16:rowId xmlns:a16="http://schemas.microsoft.com/office/drawing/2014/main" val="10002"/>
+                  </a:ext>
+                </a:extLst>
+              </a:tr>
+              <a:tr h="705914">
+                <a:tc>
+                  <a:txBody>
+                    <a:bodyPr/>
+                    <a:lstStyle/>
+                    <a:p>
+                      <a:r>
+                        <a:rPr lang="en-US" dirty="0"/>
+                        <a:t>Track with Alert</a:t>
+                      </a:r>
+                    </a:p>
+                  </a:txBody>
+                  <a:tcPr anchor="ctr"/>
+                </a:tc>
+                <a:tc>
+                  <a:txBody>
+                    <a:bodyPr/>
+                    <a:lstStyle/>
+                    <a:p>
+                      <a:pPr algn="ctr"/>
+                      <a:r>
+                        <a:rPr lang="en-US" dirty="0"/>
+                        <a:t>84</a:t>
+                      </a:r>
+                    </a:p>
+                  </a:txBody>
+                  <a:tcPr anchor="ctr"/>
+                </a:tc>
+                <a:tc>
+                  <a:txBody>
+                    <a:bodyPr/>
+                    <a:lstStyle/>
+                    <a:p>
+                      <a:pPr algn="ctr"/>
+                      <a:r>
+                        <a:rPr lang="en-US" dirty="0"/>
+                        <a:t>90</a:t>
+                      </a:r>
+                    </a:p>
+                  </a:txBody>
+                  <a:tcPr anchor="ctr"/>
+                </a:tc>
+                <a:extLst>
+                  <a:ext uri="{0D108BD9-81ED-4DB2-BD59-A6C34878D82A}">
+                    <a16:rowId xmlns:a16="http://schemas.microsoft.com/office/drawing/2014/main" val="10003"/>
+                  </a:ext>
+                </a:extLst>
+              </a:tr>
+              <a:tr h="543339">
+                <a:tc>
+                  <a:txBody>
+                    <a:bodyPr/>
+                    <a:lstStyle/>
+                    <a:p>
+                      <a:r>
+                        <a:rPr lang="en-US" dirty="0"/>
+                        <a:t>Ship</a:t>
+                      </a:r>
+                    </a:p>
+                  </a:txBody>
+                  <a:tcPr anchor="ctr"/>
+                </a:tc>
+                <a:tc>
+                  <a:txBody>
+                    <a:bodyPr/>
+                    <a:lstStyle/>
+                    <a:p>
+                      <a:pPr algn="ctr"/>
+                      <a:endParaRPr lang="en-US" dirty="0"/>
+                    </a:p>
+                  </a:txBody>
+                  <a:tcPr anchor="ctr"/>
+                </a:tc>
+                <a:tc>
+                  <a:txBody>
+                    <a:bodyPr/>
+                    <a:lstStyle/>
+                    <a:p>
+                      <a:pPr algn="ctr"/>
+                      <a:endParaRPr lang="en-US" dirty="0"/>
+                    </a:p>
+                  </a:txBody>
+                  <a:tcPr anchor="ctr"/>
+                </a:tc>
+                <a:extLst>
+                  <a:ext uri="{0D108BD9-81ED-4DB2-BD59-A6C34878D82A}">
+                    <a16:rowId xmlns:a16="http://schemas.microsoft.com/office/drawing/2014/main" val="2304192578"/>
+                  </a:ext>
+                </a:extLst>
+              </a:tr>
+              <a:tr h="556591">
+                <a:tc>
+                  <a:txBody>
+                    <a:bodyPr/>
+                    <a:lstStyle/>
+                    <a:p>
+                      <a:r>
+                        <a:rPr lang="en-US" dirty="0"/>
+                        <a:t>Automatically fill your common address</a:t>
+                      </a:r>
+                    </a:p>
+                  </a:txBody>
+                  <a:tcPr anchor="ctr"/>
+                </a:tc>
+                <a:tc>
+                  <a:txBody>
+                    <a:bodyPr/>
+                    <a:lstStyle/>
+                    <a:p>
+                      <a:pPr algn="ctr"/>
+                      <a:endParaRPr lang="en-US" dirty="0"/>
+                    </a:p>
+                  </a:txBody>
+                  <a:tcPr anchor="ctr"/>
+                </a:tc>
+                <a:tc>
+                  <a:txBody>
+                    <a:bodyPr/>
+                    <a:lstStyle/>
+                    <a:p>
+                      <a:pPr algn="ctr"/>
+                      <a:endParaRPr lang="en-US" dirty="0"/>
+                    </a:p>
+                  </a:txBody>
+                  <a:tcPr anchor="ctr"/>
+                </a:tc>
+                <a:extLst>
+                  <a:ext uri="{0D108BD9-81ED-4DB2-BD59-A6C34878D82A}">
+                    <a16:rowId xmlns:a16="http://schemas.microsoft.com/office/drawing/2014/main" val="4108184679"/>
+                  </a:ext>
+                </a:extLst>
+              </a:tr>
+              <a:tr h="477078">
+                <a:tc>
+                  <a:txBody>
+                    <a:bodyPr/>
+                    <a:lstStyle/>
+                    <a:p>
+                      <a:r>
+                        <a:rPr lang="en-US" dirty="0"/>
+                        <a:t>Automatically fill receiver’s address</a:t>
+                      </a:r>
+                    </a:p>
+                  </a:txBody>
+                  <a:tcPr anchor="ctr"/>
+                </a:tc>
+                <a:tc>
+                  <a:txBody>
+                    <a:bodyPr/>
+                    <a:lstStyle/>
+                    <a:p>
+                      <a:pPr algn="ctr"/>
+                      <a:endParaRPr lang="en-US" dirty="0"/>
+                    </a:p>
+                  </a:txBody>
+                  <a:tcPr anchor="ctr"/>
+                </a:tc>
+                <a:tc>
+                  <a:txBody>
+                    <a:bodyPr/>
+                    <a:lstStyle/>
+                    <a:p>
+                      <a:pPr algn="ctr"/>
+                      <a:endParaRPr lang="en-US" dirty="0"/>
+                    </a:p>
+                  </a:txBody>
+                  <a:tcPr anchor="ctr"/>
+                </a:tc>
+                <a:extLst>
+                  <a:ext uri="{0D108BD9-81ED-4DB2-BD59-A6C34878D82A}">
+                    <a16:rowId xmlns:a16="http://schemas.microsoft.com/office/drawing/2014/main" val="937104303"/>
+                  </a:ext>
+                </a:extLst>
+              </a:tr>
+              <a:tr h="477078">
+                <a:tc>
+                  <a:txBody>
+                    <a:bodyPr/>
+                    <a:lstStyle/>
+                    <a:p>
+                      <a:r>
+                        <a:rPr lang="en-US" altLang="zh-CN" dirty="0"/>
+                        <a:t>Evaluate price</a:t>
+                      </a:r>
+                      <a:endParaRPr lang="en-US" dirty="0"/>
+                    </a:p>
+                  </a:txBody>
+                  <a:tcPr anchor="ctr"/>
+                </a:tc>
+                <a:tc>
+                  <a:txBody>
+                    <a:bodyPr/>
+                    <a:lstStyle/>
+                    <a:p>
+                      <a:pPr algn="ctr"/>
+                      <a:endParaRPr lang="en-US" dirty="0"/>
+                    </a:p>
+                  </a:txBody>
+                  <a:tcPr anchor="ctr"/>
+                </a:tc>
+                <a:tc>
+                  <a:txBody>
+                    <a:bodyPr/>
+                    <a:lstStyle/>
+                    <a:p>
+                      <a:pPr algn="ctr"/>
+                      <a:endParaRPr lang="en-US" dirty="0"/>
+                    </a:p>
+                  </a:txBody>
+                  <a:tcPr anchor="ctr"/>
+                </a:tc>
+                <a:extLst>
+                  <a:ext uri="{0D108BD9-81ED-4DB2-BD59-A6C34878D82A}">
+                    <a16:rowId xmlns:a16="http://schemas.microsoft.com/office/drawing/2014/main" val="3864270565"/>
+                  </a:ext>
+                </a:extLst>
+              </a:tr>
+              <a:tr h="477078">
+                <a:tc>
+                  <a:txBody>
+                    <a:bodyPr/>
+                    <a:lstStyle/>
+                    <a:p>
+                      <a:r>
+                        <a:rPr lang="en-US" dirty="0"/>
+                        <a:t>Compare price with other compan</a:t>
+                      </a:r>
+                      <a:r>
+                        <a:rPr lang="en-US" altLang="zh-CN" dirty="0"/>
+                        <a:t>ies</a:t>
+                      </a:r>
+                      <a:endParaRPr lang="en-US" dirty="0"/>
+                    </a:p>
+                  </a:txBody>
+                  <a:tcPr anchor="ctr"/>
+                </a:tc>
+                <a:tc>
+                  <a:txBody>
+                    <a:bodyPr/>
+                    <a:lstStyle/>
+                    <a:p>
+                      <a:pPr algn="ctr"/>
+                      <a:endParaRPr lang="en-US" dirty="0"/>
+                    </a:p>
+                  </a:txBody>
+                  <a:tcPr anchor="ctr"/>
+                </a:tc>
+                <a:tc>
+                  <a:txBody>
+                    <a:bodyPr/>
+                    <a:lstStyle/>
+                    <a:p>
+                      <a:pPr algn="ctr"/>
+                      <a:endParaRPr lang="en-US" dirty="0"/>
+                    </a:p>
+                  </a:txBody>
+                  <a:tcPr anchor="ctr"/>
+                </a:tc>
+                <a:extLst>
+                  <a:ext uri="{0D108BD9-81ED-4DB2-BD59-A6C34878D82A}">
+                    <a16:rowId xmlns:a16="http://schemas.microsoft.com/office/drawing/2014/main" val="1728059756"/>
+                  </a:ext>
+                </a:extLst>
+              </a:tr>
+            </a:tbl>
+          </a:graphicData>
+        </a:graphic>
+      </p:graphicFrame>
+      <p:sp>
+        <p:nvSpPr>
+          <p:cNvPr id="7" name="不完整圆 6">
+            <a:extLst>
+              <a:ext uri="{FF2B5EF4-FFF2-40B4-BE49-F238E27FC236}">
+                <a16:creationId xmlns:a16="http://schemas.microsoft.com/office/drawing/2014/main" id="{62CA4A10-0A74-4CE5-BE92-FAF6F66EF6A6}"/>
+              </a:ext>
+            </a:extLst>
+          </p:cNvPr>
+          <p:cNvSpPr/>
+          <p:nvPr/>
         </p:nvSpPr>
         <p:spPr>
           <a:xfrm>
-            <a:off x="94212" y="1110343"/>
-            <a:ext cx="5943600" cy="4561587"/>
+            <a:off x="5128592" y="2796209"/>
+            <a:ext cx="1656522" cy="1590261"/>
           </a:xfrm>
+          <a:prstGeom prst="pie">
+            <a:avLst/>
+          </a:prstGeom>
         </p:spPr>
-        <p:txBody>
-          <a:bodyPr>
-            <a:normAutofit/>
+        <p:style>
+          <a:lnRef idx="1">
+            <a:schemeClr val="accent1"/>
+          </a:lnRef>
+          <a:fillRef idx="2">
+            <a:schemeClr val="accent1"/>
+          </a:fillRef>
+          <a:effectRef idx="1">
+            <a:schemeClr val="accent1"/>
+          </a:effectRef>
+          <a:fontRef idx="minor">
+            <a:schemeClr val="dk1"/>
+          </a:fontRef>
+        </p:style>
+        <p:txBody>
+          <a:bodyPr rtlCol="0" anchor="ctr"/>
+          <a:lstStyle/>
+          <a:p>
+            <a:pPr algn="ctr"/>
+            <a:endParaRPr lang="zh-CN" altLang="en-US">
+              <a:solidFill>
+                <a:schemeClr val="tx1"/>
+              </a:solidFill>
+            </a:endParaRPr>
+          </a:p>
+        </p:txBody>
+      </p:sp>
+      <p:sp>
+        <p:nvSpPr>
+          <p:cNvPr id="8" name="文本框 7">
+            <a:extLst>
+              <a:ext uri="{FF2B5EF4-FFF2-40B4-BE49-F238E27FC236}">
+                <a16:creationId xmlns:a16="http://schemas.microsoft.com/office/drawing/2014/main" id="{4A23AA4E-A663-43B0-A7F1-D1A66AC00B9D}"/>
+              </a:ext>
+            </a:extLst>
+          </p:cNvPr>
+          <p:cNvSpPr txBox="1"/>
+          <p:nvPr/>
+        </p:nvSpPr>
+        <p:spPr>
+          <a:xfrm>
+            <a:off x="5393635" y="3570832"/>
+            <a:ext cx="1152939" cy="646331"/>
+          </a:xfrm>
+          <a:prstGeom prst="rect">
+            <a:avLst/>
+          </a:prstGeom>
+          <a:noFill/>
+        </p:spPr>
+        <p:txBody>
+          <a:bodyPr wrap="square" rtlCol="0">
+            <a:spAutoFit/>
           </a:bodyPr>
           <a:lstStyle/>
           <a:p>
-            <a:pPr marL="342900" indent="-342900">
-              <a:buFont typeface="Wingdings" panose="05000000000000000000" pitchFamily="2" charset="2"/>
-              <a:buChar char="v"/>
-            </a:pPr>
+            <a:pPr algn="ctr"/>
+            <a:r>
+              <a:rPr lang="en-US" altLang="zh-CN" sz="3600" b="1" dirty="0">
+                <a:solidFill>
+                  <a:schemeClr val="bg1"/>
+                </a:solidFill>
+              </a:rPr>
+              <a:t>UPS</a:t>
+            </a:r>
+            <a:endParaRPr lang="zh-CN" altLang="en-US" sz="3600" b="1" dirty="0">
+              <a:solidFill>
+                <a:schemeClr val="bg1"/>
+              </a:solidFill>
+            </a:endParaRPr>
+          </a:p>
+        </p:txBody>
+      </p:sp>
+      <p:sp>
+        <p:nvSpPr>
+          <p:cNvPr id="9" name="流程图: 接点 8">
+            <a:extLst>
+              <a:ext uri="{FF2B5EF4-FFF2-40B4-BE49-F238E27FC236}">
+                <a16:creationId xmlns:a16="http://schemas.microsoft.com/office/drawing/2014/main" id="{5BA6875C-959F-4C65-8BEE-39FA0D0D553E}"/>
+              </a:ext>
+            </a:extLst>
+          </p:cNvPr>
+          <p:cNvSpPr/>
+          <p:nvPr/>
+        </p:nvSpPr>
+        <p:spPr>
+          <a:xfrm>
+            <a:off x="9090990" y="2663686"/>
+            <a:ext cx="1908313" cy="1855304"/>
+          </a:xfrm>
+          <a:prstGeom prst="flowChartConnector">
+            <a:avLst/>
+          </a:prstGeom>
+        </p:spPr>
+        <p:style>
+          <a:lnRef idx="1">
+            <a:schemeClr val="accent1"/>
+          </a:lnRef>
+          <a:fillRef idx="2">
+            <a:schemeClr val="accent1"/>
+          </a:fillRef>
+          <a:effectRef idx="1">
+            <a:schemeClr val="accent1"/>
+          </a:effectRef>
+          <a:fontRef idx="minor">
+            <a:schemeClr val="dk1"/>
+          </a:fontRef>
+        </p:style>
+        <p:txBody>
+          <a:bodyPr rtlCol="0" anchor="ctr"/>
+          <a:lstStyle/>
+          <a:p>
+            <a:pPr algn="ctr"/>
+            <a:endParaRPr lang="zh-CN" altLang="en-US"/>
+          </a:p>
+        </p:txBody>
+      </p:sp>
+      <p:sp>
+        <p:nvSpPr>
+          <p:cNvPr id="10" name="文本框 9">
+            <a:extLst>
+              <a:ext uri="{FF2B5EF4-FFF2-40B4-BE49-F238E27FC236}">
+                <a16:creationId xmlns:a16="http://schemas.microsoft.com/office/drawing/2014/main" id="{363CA5F2-C10E-47F2-A2C8-10F33583BAF9}"/>
+              </a:ext>
+            </a:extLst>
+          </p:cNvPr>
+          <p:cNvSpPr txBox="1"/>
+          <p:nvPr/>
+        </p:nvSpPr>
+        <p:spPr>
+          <a:xfrm>
+            <a:off x="9090990" y="2991173"/>
+            <a:ext cx="1908313" cy="1200329"/>
+          </a:xfrm>
+          <a:prstGeom prst="rect">
+            <a:avLst/>
+          </a:prstGeom>
+          <a:noFill/>
+        </p:spPr>
+        <p:txBody>
+          <a:bodyPr wrap="square" rtlCol="0">
+            <a:spAutoFit/>
+          </a:bodyPr>
+          <a:lstStyle/>
+          <a:p>
+            <a:pPr algn="ctr"/>
+            <a:r>
+              <a:rPr lang="en-US" altLang="zh-CN" sz="3600" b="1" dirty="0">
+                <a:solidFill>
+                  <a:schemeClr val="bg1"/>
+                </a:solidFill>
+              </a:rPr>
+              <a:t>Super</a:t>
+            </a:r>
+          </a:p>
+          <a:p>
+            <a:pPr algn="ctr"/>
+            <a:r>
+              <a:rPr lang="en-US" altLang="zh-CN" sz="3600" b="1" dirty="0">
+                <a:solidFill>
+                  <a:schemeClr val="bg1"/>
+                </a:solidFill>
+              </a:rPr>
+              <a:t>Express</a:t>
+            </a:r>
+            <a:endParaRPr lang="zh-CN" altLang="en-US" sz="3600" b="1" dirty="0">
+              <a:solidFill>
+                <a:schemeClr val="bg1"/>
+              </a:solidFill>
+            </a:endParaRPr>
+          </a:p>
+        </p:txBody>
+      </p:sp>
+      <p:sp>
+        <p:nvSpPr>
+          <p:cNvPr id="11" name="箭头: 右 10">
+            <a:extLst>
+              <a:ext uri="{FF2B5EF4-FFF2-40B4-BE49-F238E27FC236}">
+                <a16:creationId xmlns:a16="http://schemas.microsoft.com/office/drawing/2014/main" id="{25F14012-9622-43EA-A9BE-0D87CD72C703}"/>
+              </a:ext>
+            </a:extLst>
+          </p:cNvPr>
+          <p:cNvSpPr/>
+          <p:nvPr/>
+        </p:nvSpPr>
+        <p:spPr>
+          <a:xfrm>
+            <a:off x="4399723" y="3429000"/>
+            <a:ext cx="728869" cy="400878"/>
+          </a:xfrm>
+          <a:prstGeom prst="rightArrow">
+            <a:avLst/>
+          </a:prstGeom>
+        </p:spPr>
+        <p:style>
+          <a:lnRef idx="2">
+            <a:schemeClr val="accent1">
+              <a:shade val="50000"/>
+            </a:schemeClr>
+          </a:lnRef>
+          <a:fillRef idx="1">
+            <a:schemeClr val="accent1"/>
+          </a:fillRef>
+          <a:effectRef idx="0">
+            <a:schemeClr val="accent1"/>
+          </a:effectRef>
+          <a:fontRef idx="minor">
+            <a:schemeClr val="lt1"/>
+          </a:fontRef>
+        </p:style>
+        <p:txBody>
+          <a:bodyPr rtlCol="0" anchor="ctr"/>
+          <a:lstStyle/>
+          <a:p>
+            <a:pPr algn="ctr"/>
+            <a:endParaRPr lang="zh-CN" altLang="en-US"/>
+          </a:p>
+        </p:txBody>
+      </p:sp>
+      <p:sp>
+        <p:nvSpPr>
+          <p:cNvPr id="12" name="箭头: 右 11">
+            <a:extLst>
+              <a:ext uri="{FF2B5EF4-FFF2-40B4-BE49-F238E27FC236}">
+                <a16:creationId xmlns:a16="http://schemas.microsoft.com/office/drawing/2014/main" id="{47149EA7-18ED-4253-8851-6AE58F99091E}"/>
+              </a:ext>
+            </a:extLst>
+          </p:cNvPr>
+          <p:cNvSpPr/>
+          <p:nvPr/>
+        </p:nvSpPr>
+        <p:spPr>
+          <a:xfrm>
+            <a:off x="6904384" y="3429000"/>
+            <a:ext cx="2146850" cy="400878"/>
+          </a:xfrm>
+          <a:prstGeom prst="rightArrow">
+            <a:avLst/>
+          </a:prstGeom>
+        </p:spPr>
+        <p:style>
+          <a:lnRef idx="2">
+            <a:schemeClr val="accent1">
+              <a:shade val="50000"/>
+            </a:schemeClr>
+          </a:lnRef>
+          <a:fillRef idx="1">
+            <a:schemeClr val="accent1"/>
+          </a:fillRef>
+          <a:effectRef idx="0">
+            <a:schemeClr val="accent1"/>
+          </a:effectRef>
+          <a:fontRef idx="minor">
+            <a:schemeClr val="lt1"/>
+          </a:fontRef>
+        </p:style>
+        <p:txBody>
+          <a:bodyPr rtlCol="0" anchor="ctr"/>
+          <a:lstStyle/>
+          <a:p>
+            <a:pPr algn="ctr"/>
+            <a:endParaRPr lang="zh-CN" altLang="en-US"/>
+          </a:p>
+        </p:txBody>
+      </p:sp>
+      <p:pic>
+        <p:nvPicPr>
+          <p:cNvPr id="13" name="Picture 3">
+            <a:extLst>
+              <a:ext uri="{FF2B5EF4-FFF2-40B4-BE49-F238E27FC236}">
+                <a16:creationId xmlns:a16="http://schemas.microsoft.com/office/drawing/2014/main" id="{FD4FCCC2-FDA1-4C56-AECC-A73479F08BD8}"/>
+              </a:ext>
+            </a:extLst>
+          </p:cNvPr>
+          <p:cNvPicPr>
+            <a:picLocks noChangeAspect="1"/>
+          </p:cNvPicPr>
+          <p:nvPr/>
+        </p:nvPicPr>
+        <p:blipFill>
+          <a:blip r:embed="rId2" cstate="print">
+            <a:extLst>
+              <a:ext uri="{28A0092B-C50C-407E-A947-70E740481C1C}">
+                <a14:useLocalDpi xmlns:a14="http://schemas.microsoft.com/office/drawing/2010/main" val="0"/>
+              </a:ext>
+            </a:extLst>
+          </a:blip>
+          <a:stretch>
+            <a:fillRect/>
+          </a:stretch>
+        </p:blipFill>
+        <p:spPr>
+          <a:xfrm>
+            <a:off x="9354829" y="1244991"/>
+            <a:ext cx="1380634" cy="1198724"/>
+          </a:xfrm>
+          <a:prstGeom prst="ellipse">
+            <a:avLst/>
+          </a:prstGeom>
+          <a:ln w="190500" cap="rnd">
+            <a:solidFill>
+              <a:srgbClr val="C8C6BD"/>
+            </a:solidFill>
+            <a:prstDash val="solid"/>
+          </a:ln>
+          <a:effectLst>
+            <a:outerShdw blurRad="127000" algn="bl" rotWithShape="0">
+              <a:srgbClr val="000000"/>
+            </a:outerShdw>
+          </a:effectLst>
+          <a:scene3d>
+            <a:camera prst="perspectiveFront" fov="5400000"/>
+            <a:lightRig rig="threePt" dir="t">
+              <a:rot lat="0" lon="0" rev="19200000"/>
+            </a:lightRig>
+          </a:scene3d>
+          <a:sp3d extrusionH="25400">
+            <a:bevelT w="304800" h="152400" prst="hardEdge"/>
+            <a:extrusionClr>
+              <a:srgbClr val="000000"/>
+            </a:extrusionClr>
+          </a:sp3d>
+        </p:spPr>
+      </p:pic>
+      <p:pic>
+        <p:nvPicPr>
+          <p:cNvPr id="15" name="图片 14">
+            <a:extLst>
+              <a:ext uri="{FF2B5EF4-FFF2-40B4-BE49-F238E27FC236}">
+                <a16:creationId xmlns:a16="http://schemas.microsoft.com/office/drawing/2014/main" id="{92FCAF56-EE10-4A3C-9B22-5F0B965C7068}"/>
+              </a:ext>
+            </a:extLst>
+          </p:cNvPr>
+          <p:cNvPicPr>
+            <a:picLocks noChangeAspect="1"/>
+          </p:cNvPicPr>
+          <p:nvPr/>
+        </p:nvPicPr>
+        <p:blipFill>
+          <a:blip r:embed="rId3" cstate="print">
+            <a:extLst>
+              <a:ext uri="{28A0092B-C50C-407E-A947-70E740481C1C}">
+                <a14:useLocalDpi xmlns:a14="http://schemas.microsoft.com/office/drawing/2010/main" val="0"/>
+              </a:ext>
+            </a:extLst>
+          </a:blip>
+          <a:stretch>
+            <a:fillRect/>
+          </a:stretch>
+        </p:blipFill>
+        <p:spPr>
+          <a:xfrm>
+            <a:off x="5427739" y="1342472"/>
+            <a:ext cx="1005220" cy="1198725"/>
+          </a:xfrm>
+          <a:prstGeom prst="rect">
+            <a:avLst/>
+          </a:prstGeom>
+        </p:spPr>
+      </p:pic>
+      <p:sp>
+        <p:nvSpPr>
+          <p:cNvPr id="16" name="矩形 15">
+            <a:extLst>
+              <a:ext uri="{FF2B5EF4-FFF2-40B4-BE49-F238E27FC236}">
+                <a16:creationId xmlns:a16="http://schemas.microsoft.com/office/drawing/2014/main" id="{E3952F5D-25C4-4EAA-ADB9-1B062B168069}"/>
+              </a:ext>
+            </a:extLst>
+          </p:cNvPr>
+          <p:cNvSpPr/>
+          <p:nvPr/>
+        </p:nvSpPr>
+        <p:spPr>
+          <a:xfrm>
+            <a:off x="6927093" y="1341670"/>
+            <a:ext cx="769763" cy="1200329"/>
+          </a:xfrm>
+          <a:prstGeom prst="rect">
+            <a:avLst/>
+          </a:prstGeom>
+          <a:noFill/>
+        </p:spPr>
+        <p:txBody>
+          <a:bodyPr wrap="none" lIns="91440" tIns="45720" rIns="91440" bIns="45720">
+            <a:spAutoFit/>
+          </a:bodyPr>
+          <a:lstStyle/>
+          <a:p>
+            <a:pPr algn="ctr"/>
+            <a:r>
+              <a:rPr lang="en-US" altLang="zh-CN" sz="7200" b="1" dirty="0">
+                <a:ln w="22225">
+                  <a:solidFill>
+                    <a:schemeClr val="accent2"/>
+                  </a:solidFill>
+                  <a:prstDash val="solid"/>
+                </a:ln>
+                <a:solidFill>
+                  <a:schemeClr val="accent2">
+                    <a:lumMod val="40000"/>
+                    <a:lumOff val="60000"/>
+                  </a:schemeClr>
+                </a:solidFill>
+              </a:rPr>
+              <a:t>V</a:t>
+            </a:r>
+            <a:endParaRPr lang="zh-CN" altLang="en-US" sz="7200" b="1" dirty="0">
+              <a:ln w="22225">
+                <a:solidFill>
+                  <a:schemeClr val="accent2"/>
+                </a:solidFill>
+                <a:prstDash val="solid"/>
+              </a:ln>
+              <a:solidFill>
+                <a:schemeClr val="accent2">
+                  <a:lumMod val="40000"/>
+                  <a:lumOff val="60000"/>
+                </a:schemeClr>
+              </a:solidFill>
+            </a:endParaRPr>
+          </a:p>
+        </p:txBody>
+      </p:sp>
+      <p:sp>
+        <p:nvSpPr>
+          <p:cNvPr id="17" name="矩形 16">
+            <a:extLst>
+              <a:ext uri="{FF2B5EF4-FFF2-40B4-BE49-F238E27FC236}">
+                <a16:creationId xmlns:a16="http://schemas.microsoft.com/office/drawing/2014/main" id="{21DAD3BA-D477-4736-B301-93E7945CD8F6}"/>
+              </a:ext>
+            </a:extLst>
+          </p:cNvPr>
+          <p:cNvSpPr/>
+          <p:nvPr/>
+        </p:nvSpPr>
+        <p:spPr>
+          <a:xfrm>
+            <a:off x="7832688" y="1317055"/>
+            <a:ext cx="643125" cy="1200329"/>
+          </a:xfrm>
+          <a:prstGeom prst="rect">
+            <a:avLst/>
+          </a:prstGeom>
+          <a:noFill/>
+        </p:spPr>
+        <p:txBody>
+          <a:bodyPr wrap="none" lIns="91440" tIns="45720" rIns="91440" bIns="45720">
+            <a:spAutoFit/>
+          </a:bodyPr>
+          <a:lstStyle/>
+          <a:p>
+            <a:pPr algn="ctr"/>
+            <a:r>
+              <a:rPr lang="en-US" altLang="zh-CN" sz="7200" b="0" cap="none" spc="0" dirty="0">
+                <a:ln w="0"/>
+                <a:solidFill>
+                  <a:schemeClr val="accent1"/>
+                </a:solidFill>
+                <a:effectLst>
+                  <a:outerShdw blurRad="38100" dist="25400" dir="5400000" algn="ctr" rotWithShape="0">
+                    <a:srgbClr val="6E747A">
+                      <a:alpha val="43000"/>
+                    </a:srgbClr>
+                  </a:outerShdw>
+                </a:effectLst>
+              </a:rPr>
+              <a:t>S</a:t>
+            </a:r>
+            <a:endParaRPr lang="zh-CN" altLang="en-US" sz="7200" b="0" cap="none" spc="0" dirty="0">
+              <a:ln w="0"/>
+              <a:solidFill>
+                <a:schemeClr val="accent1"/>
+              </a:solidFill>
+              <a:effectLst>
+                <a:outerShdw blurRad="38100" dist="25400" dir="5400000" algn="ctr" rotWithShape="0">
+                  <a:srgbClr val="6E747A">
+                    <a:alpha val="43000"/>
+                  </a:srgbClr>
+                </a:outerShdw>
+              </a:effectLst>
+            </a:endParaRPr>
+          </a:p>
+        </p:txBody>
+      </p:sp>
+      <p:sp>
+        <p:nvSpPr>
+          <p:cNvPr id="18" name="文本框 17">
+            <a:extLst>
+              <a:ext uri="{FF2B5EF4-FFF2-40B4-BE49-F238E27FC236}">
+                <a16:creationId xmlns:a16="http://schemas.microsoft.com/office/drawing/2014/main" id="{2DB597A1-12DC-41B7-AF0B-0DE43B5A0E76}"/>
+              </a:ext>
+            </a:extLst>
+          </p:cNvPr>
+          <p:cNvSpPr txBox="1"/>
+          <p:nvPr/>
+        </p:nvSpPr>
+        <p:spPr>
+          <a:xfrm>
+            <a:off x="5128592" y="4969565"/>
+            <a:ext cx="1656522" cy="369332"/>
+          </a:xfrm>
+          <a:prstGeom prst="rect">
+            <a:avLst/>
+          </a:prstGeom>
+          <a:noFill/>
+        </p:spPr>
+        <p:txBody>
+          <a:bodyPr wrap="square" rtlCol="0">
+            <a:spAutoFit/>
+          </a:bodyPr>
+          <a:lstStyle/>
+          <a:p>
             <a:r>
               <a:rPr lang="en-US" altLang="zh-CN" dirty="0"/>
-              <a:t>Use A comparable  table to introduce our project:</a:t>
-            </a:r>
-          </a:p>
-          <a:p>
-            <a:endParaRPr lang="en-US" dirty="0"/>
-          </a:p>
-          <a:p>
-            <a:r>
-              <a:rPr lang="en-US" dirty="0"/>
-              <a:t>Compare UPS, Post Canada and Ours</a:t>
-            </a:r>
+              <a:t>Hard</a:t>
+            </a:r>
+            <a:endParaRPr lang="zh-CN" altLang="en-US" dirty="0"/>
+          </a:p>
+        </p:txBody>
+      </p:sp>
+      <p:sp>
+        <p:nvSpPr>
+          <p:cNvPr id="19" name="文本框 18">
+            <a:extLst>
+              <a:ext uri="{FF2B5EF4-FFF2-40B4-BE49-F238E27FC236}">
+                <a16:creationId xmlns:a16="http://schemas.microsoft.com/office/drawing/2014/main" id="{DB8F6560-57B4-4C8C-A87D-C41879D44B1E}"/>
+              </a:ext>
+            </a:extLst>
+          </p:cNvPr>
+          <p:cNvSpPr txBox="1"/>
+          <p:nvPr/>
+        </p:nvSpPr>
+        <p:spPr>
+          <a:xfrm>
+            <a:off x="9386988" y="4971682"/>
+            <a:ext cx="1656522" cy="369332"/>
+          </a:xfrm>
+          <a:prstGeom prst="rect">
+            <a:avLst/>
+          </a:prstGeom>
+          <a:noFill/>
+        </p:spPr>
+        <p:txBody>
+          <a:bodyPr wrap="square" rtlCol="0">
+            <a:spAutoFit/>
+          </a:bodyPr>
+          <a:lstStyle/>
+          <a:p>
+            <a:r>
+              <a:rPr lang="en-US" altLang="zh-CN" dirty="0"/>
+              <a:t>Friendly</a:t>
+            </a:r>
+            <a:endParaRPr lang="zh-CN" altLang="en-US" dirty="0"/>
           </a:p>
         </p:txBody>
       </p:sp>
@@ -9798,21 +11339,453 @@
           <a:p>
             <a:r>
               <a:rPr lang="en-US" altLang="zh-CN" sz="2900" dirty="0"/>
-              <a:t>Challenges and Solutions 3pages  by </a:t>
-            </a:r>
-            <a:r>
-              <a:rPr lang="en-US" altLang="zh-CN" sz="2900" dirty="0" err="1"/>
-              <a:t>Jie</a:t>
-            </a:r>
-            <a:r>
-              <a:rPr lang="en-US" altLang="zh-CN" sz="2900" dirty="0"/>
-              <a:t> </a:t>
-            </a:r>
-            <a:r>
-              <a:rPr lang="en-US" altLang="zh-CN" sz="2900" dirty="0" err="1"/>
-              <a:t>zhu</a:t>
+              <a:t>Challenges and Solutions</a:t>
             </a:r>
             <a:endParaRPr lang="en-US" sz="2900" dirty="0"/>
+          </a:p>
+        </p:txBody>
+      </p:sp>
+      <p:sp>
+        <p:nvSpPr>
+          <p:cNvPr id="3" name="文本框 2">
+            <a:extLst>
+              <a:ext uri="{FF2B5EF4-FFF2-40B4-BE49-F238E27FC236}">
+                <a16:creationId xmlns:a16="http://schemas.microsoft.com/office/drawing/2014/main" id="{E7272AB7-BA62-419F-BDFA-589A7233EECB}"/>
+              </a:ext>
+            </a:extLst>
+          </p:cNvPr>
+          <p:cNvSpPr txBox="1"/>
+          <p:nvPr/>
+        </p:nvSpPr>
+        <p:spPr>
+          <a:xfrm>
+            <a:off x="132522" y="834887"/>
+            <a:ext cx="5088835" cy="369332"/>
+          </a:xfrm>
+          <a:prstGeom prst="rect">
+            <a:avLst/>
+          </a:prstGeom>
+          <a:noFill/>
+        </p:spPr>
+        <p:txBody>
+          <a:bodyPr wrap="square" rtlCol="0">
+            <a:spAutoFit/>
+          </a:bodyPr>
+          <a:lstStyle/>
+          <a:p>
+            <a:r>
+              <a:rPr lang="en-US" altLang="zh-CN" dirty="0"/>
+              <a:t>How can we track on map?</a:t>
+            </a:r>
+            <a:endParaRPr lang="zh-CN" altLang="en-US" dirty="0"/>
+          </a:p>
+        </p:txBody>
+      </p:sp>
+      <p:sp>
+        <p:nvSpPr>
+          <p:cNvPr id="4" name="文本框 3">
+            <a:extLst>
+              <a:ext uri="{FF2B5EF4-FFF2-40B4-BE49-F238E27FC236}">
+                <a16:creationId xmlns:a16="http://schemas.microsoft.com/office/drawing/2014/main" id="{30A3D826-6D5F-4320-902B-6F51464BA84E}"/>
+              </a:ext>
+            </a:extLst>
+          </p:cNvPr>
+          <p:cNvSpPr txBox="1"/>
+          <p:nvPr/>
+        </p:nvSpPr>
+        <p:spPr>
+          <a:xfrm>
+            <a:off x="689113" y="1389749"/>
+            <a:ext cx="1603513" cy="369332"/>
+          </a:xfrm>
+          <a:prstGeom prst="rect">
+            <a:avLst/>
+          </a:prstGeom>
+          <a:noFill/>
+        </p:spPr>
+        <p:txBody>
+          <a:bodyPr wrap="square" rtlCol="0">
+            <a:spAutoFit/>
+          </a:bodyPr>
+          <a:lstStyle/>
+          <a:p>
+            <a:r>
+              <a:rPr lang="en-US" altLang="zh-CN" dirty="0"/>
+              <a:t>Shipment API </a:t>
+            </a:r>
+            <a:endParaRPr lang="zh-CN" altLang="en-US" dirty="0"/>
+          </a:p>
+        </p:txBody>
+      </p:sp>
+      <p:sp>
+        <p:nvSpPr>
+          <p:cNvPr id="5" name="文本框 4">
+            <a:extLst>
+              <a:ext uri="{FF2B5EF4-FFF2-40B4-BE49-F238E27FC236}">
+                <a16:creationId xmlns:a16="http://schemas.microsoft.com/office/drawing/2014/main" id="{96A35186-E48A-4F32-9B6F-B3625DD96A67}"/>
+              </a:ext>
+            </a:extLst>
+          </p:cNvPr>
+          <p:cNvSpPr txBox="1"/>
+          <p:nvPr/>
+        </p:nvSpPr>
+        <p:spPr>
+          <a:xfrm>
+            <a:off x="2676936" y="1935532"/>
+            <a:ext cx="1603513" cy="369332"/>
+          </a:xfrm>
+          <a:prstGeom prst="rect">
+            <a:avLst/>
+          </a:prstGeom>
+          <a:noFill/>
+        </p:spPr>
+        <p:txBody>
+          <a:bodyPr wrap="square" rtlCol="0">
+            <a:spAutoFit/>
+          </a:bodyPr>
+          <a:lstStyle/>
+          <a:p>
+            <a:r>
+              <a:rPr lang="en-US" altLang="zh-CN" dirty="0"/>
+              <a:t>Province Code</a:t>
+            </a:r>
+            <a:endParaRPr lang="zh-CN" altLang="en-US" dirty="0"/>
+          </a:p>
+        </p:txBody>
+      </p:sp>
+      <p:sp>
+        <p:nvSpPr>
+          <p:cNvPr id="6" name="文本框 5">
+            <a:extLst>
+              <a:ext uri="{FF2B5EF4-FFF2-40B4-BE49-F238E27FC236}">
+                <a16:creationId xmlns:a16="http://schemas.microsoft.com/office/drawing/2014/main" id="{9A963687-F619-4917-97AC-62B98C7697FA}"/>
+              </a:ext>
+            </a:extLst>
+          </p:cNvPr>
+          <p:cNvSpPr txBox="1"/>
+          <p:nvPr/>
+        </p:nvSpPr>
+        <p:spPr>
+          <a:xfrm>
+            <a:off x="2676937" y="2855985"/>
+            <a:ext cx="1603513" cy="646331"/>
+          </a:xfrm>
+          <a:prstGeom prst="rect">
+            <a:avLst/>
+          </a:prstGeom>
+          <a:noFill/>
+        </p:spPr>
+        <p:txBody>
+          <a:bodyPr wrap="square" rtlCol="0">
+            <a:spAutoFit/>
+          </a:bodyPr>
+          <a:lstStyle/>
+          <a:p>
+            <a:r>
+              <a:rPr lang="en-US" altLang="zh-CN" dirty="0"/>
+              <a:t>Access Point Name</a:t>
+            </a:r>
+            <a:endParaRPr lang="zh-CN" altLang="en-US" dirty="0"/>
+          </a:p>
+        </p:txBody>
+      </p:sp>
+      <p:sp>
+        <p:nvSpPr>
+          <p:cNvPr id="7" name="文本框 6">
+            <a:extLst>
+              <a:ext uri="{FF2B5EF4-FFF2-40B4-BE49-F238E27FC236}">
+                <a16:creationId xmlns:a16="http://schemas.microsoft.com/office/drawing/2014/main" id="{CA5287F1-FF24-4090-8DDD-4F5AA80349A6}"/>
+              </a:ext>
+            </a:extLst>
+          </p:cNvPr>
+          <p:cNvSpPr txBox="1"/>
+          <p:nvPr/>
+        </p:nvSpPr>
+        <p:spPr>
+          <a:xfrm>
+            <a:off x="2676938" y="1434542"/>
+            <a:ext cx="1603513" cy="369332"/>
+          </a:xfrm>
+          <a:prstGeom prst="rect">
+            <a:avLst/>
+          </a:prstGeom>
+          <a:noFill/>
+        </p:spPr>
+        <p:txBody>
+          <a:bodyPr wrap="square" rtlCol="0">
+            <a:spAutoFit/>
+          </a:bodyPr>
+          <a:lstStyle/>
+          <a:p>
+            <a:r>
+              <a:rPr lang="en-US" altLang="zh-CN" dirty="0"/>
+              <a:t>Country Code</a:t>
+            </a:r>
+            <a:endParaRPr lang="zh-CN" altLang="en-US" dirty="0"/>
+          </a:p>
+        </p:txBody>
+      </p:sp>
+      <p:sp>
+        <p:nvSpPr>
+          <p:cNvPr id="8" name="文本框 7">
+            <a:extLst>
+              <a:ext uri="{FF2B5EF4-FFF2-40B4-BE49-F238E27FC236}">
+                <a16:creationId xmlns:a16="http://schemas.microsoft.com/office/drawing/2014/main" id="{ADB46B48-049F-4F1E-9C18-DF73C3A9A47E}"/>
+              </a:ext>
+            </a:extLst>
+          </p:cNvPr>
+          <p:cNvSpPr txBox="1"/>
+          <p:nvPr/>
+        </p:nvSpPr>
+        <p:spPr>
+          <a:xfrm>
+            <a:off x="2676936" y="2354995"/>
+            <a:ext cx="1603513" cy="369332"/>
+          </a:xfrm>
+          <a:prstGeom prst="rect">
+            <a:avLst/>
+          </a:prstGeom>
+          <a:noFill/>
+        </p:spPr>
+        <p:txBody>
+          <a:bodyPr wrap="square" rtlCol="0">
+            <a:spAutoFit/>
+          </a:bodyPr>
+          <a:lstStyle/>
+          <a:p>
+            <a:r>
+              <a:rPr lang="en-US" altLang="zh-CN" dirty="0"/>
+              <a:t>City Name</a:t>
+            </a:r>
+            <a:endParaRPr lang="zh-CN" altLang="en-US" dirty="0"/>
+          </a:p>
+        </p:txBody>
+      </p:sp>
+      <p:sp>
+        <p:nvSpPr>
+          <p:cNvPr id="9" name="文本框 8">
+            <a:extLst>
+              <a:ext uri="{FF2B5EF4-FFF2-40B4-BE49-F238E27FC236}">
+                <a16:creationId xmlns:a16="http://schemas.microsoft.com/office/drawing/2014/main" id="{183C003E-8B2C-4F73-8A39-E8921FD1E967}"/>
+              </a:ext>
+            </a:extLst>
+          </p:cNvPr>
+          <p:cNvSpPr txBox="1"/>
+          <p:nvPr/>
+        </p:nvSpPr>
+        <p:spPr>
+          <a:xfrm>
+            <a:off x="2716692" y="3633974"/>
+            <a:ext cx="861391" cy="369332"/>
+          </a:xfrm>
+          <a:prstGeom prst="rect">
+            <a:avLst/>
+          </a:prstGeom>
+          <a:noFill/>
+        </p:spPr>
+        <p:txBody>
+          <a:bodyPr wrap="square" rtlCol="0">
+            <a:spAutoFit/>
+          </a:bodyPr>
+          <a:lstStyle/>
+          <a:p>
+            <a:r>
+              <a:rPr lang="en-US" altLang="zh-CN" dirty="0"/>
+              <a:t>Date</a:t>
+            </a:r>
+            <a:endParaRPr lang="zh-CN" altLang="en-US" dirty="0"/>
+          </a:p>
+        </p:txBody>
+      </p:sp>
+      <p:sp>
+        <p:nvSpPr>
+          <p:cNvPr id="10" name="文本框 9">
+            <a:extLst>
+              <a:ext uri="{FF2B5EF4-FFF2-40B4-BE49-F238E27FC236}">
+                <a16:creationId xmlns:a16="http://schemas.microsoft.com/office/drawing/2014/main" id="{AC9A7FCA-E30D-4AAD-BA12-2FEA820E78E1}"/>
+              </a:ext>
+            </a:extLst>
+          </p:cNvPr>
+          <p:cNvSpPr txBox="1"/>
+          <p:nvPr/>
+        </p:nvSpPr>
+        <p:spPr>
+          <a:xfrm>
+            <a:off x="4843668" y="1604227"/>
+            <a:ext cx="1603513" cy="646331"/>
+          </a:xfrm>
+          <a:prstGeom prst="rect">
+            <a:avLst/>
+          </a:prstGeom>
+          <a:noFill/>
+        </p:spPr>
+        <p:txBody>
+          <a:bodyPr wrap="square" rtlCol="0">
+            <a:spAutoFit/>
+          </a:bodyPr>
+          <a:lstStyle/>
+          <a:p>
+            <a:r>
+              <a:rPr lang="en-US" altLang="zh-CN" dirty="0" err="1"/>
+              <a:t>BingMapsREST</a:t>
+            </a:r>
+            <a:r>
+              <a:rPr lang="en-US" altLang="zh-CN" dirty="0"/>
+              <a:t> API </a:t>
+            </a:r>
+            <a:endParaRPr lang="zh-CN" altLang="en-US" dirty="0"/>
+          </a:p>
+        </p:txBody>
+      </p:sp>
+      <p:sp>
+        <p:nvSpPr>
+          <p:cNvPr id="11" name="文本框 10">
+            <a:extLst>
+              <a:ext uri="{FF2B5EF4-FFF2-40B4-BE49-F238E27FC236}">
+                <a16:creationId xmlns:a16="http://schemas.microsoft.com/office/drawing/2014/main" id="{3E6F0696-162E-4991-ACA4-44F19BE81031}"/>
+              </a:ext>
+            </a:extLst>
+          </p:cNvPr>
+          <p:cNvSpPr txBox="1"/>
+          <p:nvPr/>
+        </p:nvSpPr>
+        <p:spPr>
+          <a:xfrm>
+            <a:off x="4843668" y="3105834"/>
+            <a:ext cx="1603513" cy="646331"/>
+          </a:xfrm>
+          <a:prstGeom prst="rect">
+            <a:avLst/>
+          </a:prstGeom>
+          <a:noFill/>
+        </p:spPr>
+        <p:txBody>
+          <a:bodyPr wrap="square" rtlCol="0">
+            <a:spAutoFit/>
+          </a:bodyPr>
+          <a:lstStyle/>
+          <a:p>
+            <a:r>
+              <a:rPr lang="en-US" altLang="zh-CN" dirty="0" err="1"/>
+              <a:t>OpenWeather</a:t>
+            </a:r>
+            <a:r>
+              <a:rPr lang="en-US" altLang="zh-CN" dirty="0"/>
+              <a:t> API </a:t>
+            </a:r>
+            <a:endParaRPr lang="zh-CN" altLang="en-US" dirty="0"/>
+          </a:p>
+        </p:txBody>
+      </p:sp>
+      <p:sp>
+        <p:nvSpPr>
+          <p:cNvPr id="12" name="文本框 11">
+            <a:extLst>
+              <a:ext uri="{FF2B5EF4-FFF2-40B4-BE49-F238E27FC236}">
+                <a16:creationId xmlns:a16="http://schemas.microsoft.com/office/drawing/2014/main" id="{B8D53D09-0B60-484C-8A4F-D116C2E7F217}"/>
+              </a:ext>
+            </a:extLst>
+          </p:cNvPr>
+          <p:cNvSpPr txBox="1"/>
+          <p:nvPr/>
+        </p:nvSpPr>
+        <p:spPr>
+          <a:xfrm>
+            <a:off x="7540485" y="1550972"/>
+            <a:ext cx="1603513" cy="369332"/>
+          </a:xfrm>
+          <a:prstGeom prst="rect">
+            <a:avLst/>
+          </a:prstGeom>
+          <a:noFill/>
+        </p:spPr>
+        <p:txBody>
+          <a:bodyPr wrap="square" rtlCol="0">
+            <a:spAutoFit/>
+          </a:bodyPr>
+          <a:lstStyle/>
+          <a:p>
+            <a:r>
+              <a:rPr lang="en-US" altLang="zh-CN" dirty="0" err="1"/>
+              <a:t>BingMaps</a:t>
+            </a:r>
+            <a:r>
+              <a:rPr lang="en-US" altLang="zh-CN" dirty="0"/>
+              <a:t> API </a:t>
+            </a:r>
+            <a:endParaRPr lang="zh-CN" altLang="en-US" dirty="0"/>
+          </a:p>
+        </p:txBody>
+      </p:sp>
+      <p:sp>
+        <p:nvSpPr>
+          <p:cNvPr id="13" name="文本框 12">
+            <a:extLst>
+              <a:ext uri="{FF2B5EF4-FFF2-40B4-BE49-F238E27FC236}">
+                <a16:creationId xmlns:a16="http://schemas.microsoft.com/office/drawing/2014/main" id="{FCBA4D79-CF31-4197-B46E-050B469E0CCF}"/>
+              </a:ext>
+            </a:extLst>
+          </p:cNvPr>
+          <p:cNvSpPr txBox="1"/>
+          <p:nvPr/>
+        </p:nvSpPr>
+        <p:spPr>
+          <a:xfrm>
+            <a:off x="9899374" y="1412472"/>
+            <a:ext cx="1603513" cy="646331"/>
+          </a:xfrm>
+          <a:prstGeom prst="rect">
+            <a:avLst/>
+          </a:prstGeom>
+          <a:noFill/>
+        </p:spPr>
+        <p:txBody>
+          <a:bodyPr wrap="square" rtlCol="0">
+            <a:spAutoFit/>
+          </a:bodyPr>
+          <a:lstStyle/>
+          <a:p>
+            <a:r>
+              <a:rPr lang="en-US" altLang="zh-CN" dirty="0"/>
+              <a:t>Show tracking route on map</a:t>
+            </a:r>
+            <a:endParaRPr lang="zh-CN" altLang="en-US" dirty="0"/>
+          </a:p>
+        </p:txBody>
+      </p:sp>
+      <p:sp>
+        <p:nvSpPr>
+          <p:cNvPr id="14" name="文本框 13">
+            <a:extLst>
+              <a:ext uri="{FF2B5EF4-FFF2-40B4-BE49-F238E27FC236}">
+                <a16:creationId xmlns:a16="http://schemas.microsoft.com/office/drawing/2014/main" id="{5EF6E599-87AF-484A-BDB1-20EA4C1B1D57}"/>
+              </a:ext>
+            </a:extLst>
+          </p:cNvPr>
+          <p:cNvSpPr txBox="1"/>
+          <p:nvPr/>
+        </p:nvSpPr>
+        <p:spPr>
+          <a:xfrm>
+            <a:off x="9766853" y="2856453"/>
+            <a:ext cx="1736034" cy="1200329"/>
+          </a:xfrm>
+          <a:prstGeom prst="rect">
+            <a:avLst/>
+          </a:prstGeom>
+          <a:noFill/>
+        </p:spPr>
+        <p:txBody>
+          <a:bodyPr wrap="square" rtlCol="0">
+            <a:spAutoFit/>
+          </a:bodyPr>
+          <a:lstStyle/>
+          <a:p>
+            <a:r>
+              <a:rPr lang="en-US" altLang="zh-CN" dirty="0"/>
+              <a:t>Show Weather information and Alert the risk of delaying</a:t>
+            </a:r>
+            <a:endParaRPr lang="zh-CN" altLang="en-US" dirty="0"/>
           </a:p>
         </p:txBody>
       </p:sp>
@@ -9881,12 +11854,8 @@
           <a:lstStyle/>
           <a:p>
             <a:r>
-              <a:rPr lang="en-US" altLang="zh-CN" sz="2800" dirty="0"/>
-              <a:t>What we learned </a:t>
-            </a:r>
-            <a:r>
               <a:rPr lang="en-US" altLang="zh-CN" sz="2900" dirty="0"/>
-              <a:t>1 page  by </a:t>
+              <a:t>Challenges and Solutions 3pages  by </a:t>
             </a:r>
             <a:r>
               <a:rPr lang="en-US" altLang="zh-CN" sz="2900" dirty="0" err="1"/>
@@ -9907,7 +11876,7 @@
     </p:spTree>
     <p:extLst>
       <p:ext uri="{BB962C8B-B14F-4D97-AF65-F5344CB8AC3E}">
-        <p14:creationId xmlns:p14="http://schemas.microsoft.com/office/powerpoint/2010/main" val="3450525939"/>
+        <p14:creationId xmlns:p14="http://schemas.microsoft.com/office/powerpoint/2010/main" val="1928918653"/>
       </p:ext>
     </p:extLst>
   </p:cSld>
@@ -9948,73 +11917,41 @@
       </p:grpSpPr>
       <p:sp>
         <p:nvSpPr>
-          <p:cNvPr id="5" name="Title 1">
-            <a:extLst>
-              <a:ext uri="{FF2B5EF4-FFF2-40B4-BE49-F238E27FC236}">
-                <a16:creationId xmlns:a16="http://schemas.microsoft.com/office/drawing/2014/main" id="{D9450520-05F5-45C2-9C1F-9E9CCE65CBE6}"/>
-              </a:ext>
-            </a:extLst>
-          </p:cNvPr>
-          <p:cNvSpPr txBox="1">
-            <a:spLocks/>
+          <p:cNvPr id="2" name="Title 1"/>
+          <p:cNvSpPr>
+            <a:spLocks noGrp="1"/>
           </p:cNvSpPr>
-          <p:nvPr/>
+          <p:nvPr>
+            <p:ph type="title"/>
+          </p:nvPr>
         </p:nvSpPr>
         <p:spPr>
           <a:xfrm>
             <a:off x="0" y="0"/>
             <a:ext cx="10098158" cy="649357"/>
           </a:xfrm>
-          <a:prstGeom prst="rect">
-            <a:avLst/>
-          </a:prstGeom>
         </p:spPr>
         <p:txBody>
-          <a:bodyPr vert="horz" lIns="91440" tIns="45720" rIns="91440" bIns="45720" rtlCol="0" anchor="b">
+          <a:bodyPr>
             <a:normAutofit/>
           </a:bodyPr>
-          <a:lstStyle>
-            <a:lvl1pPr algn="l" defTabSz="914400" rtl="0" eaLnBrk="1" latinLnBrk="0" hangingPunct="1">
-              <a:lnSpc>
-                <a:spcPct val="90000"/>
-              </a:lnSpc>
-              <a:spcBef>
-                <a:spcPct val="0"/>
-              </a:spcBef>
-              <a:buNone/>
-              <a:defRPr sz="3200" b="1" kern="1200" cap="all" baseline="0">
-                <a:solidFill>
-                  <a:schemeClr val="accent1"/>
-                </a:solidFill>
-                <a:effectLst>
-                  <a:outerShdw blurRad="38100" dist="25400" dir="18900000" algn="bl" rotWithShape="0">
-                    <a:schemeClr val="bg1">
-                      <a:alpha val="80000"/>
-                    </a:schemeClr>
-                  </a:outerShdw>
-                </a:effectLst>
-                <a:latin typeface="+mj-lt"/>
-                <a:ea typeface="+mj-ea"/>
-                <a:cs typeface="+mj-cs"/>
-              </a:defRPr>
-            </a:lvl1pPr>
-          </a:lstStyle>
-          <a:p>
-            <a:r>
-              <a:rPr lang="en-US" altLang="zh-CN" sz="2800" dirty="0"/>
-              <a:t>What we learned </a:t>
-            </a:r>
+          <a:lstStyle/>
+          <a:p>
             <a:r>
               <a:rPr lang="en-US" altLang="zh-CN" sz="2900" dirty="0"/>
-              <a:t>1 page  by </a:t>
+              <a:t>Challenges and Solutions 3pages  by </a:t>
             </a:r>
             <a:r>
               <a:rPr lang="en-US" altLang="zh-CN" sz="2900" dirty="0" err="1"/>
-              <a:t>jing</a:t>
+              <a:t>Jie</a:t>
             </a:r>
             <a:r>
               <a:rPr lang="en-US" altLang="zh-CN" sz="2900" dirty="0"/>
-              <a:t> wang</a:t>
+              <a:t> </a:t>
+            </a:r>
+            <a:r>
+              <a:rPr lang="en-US" altLang="zh-CN" sz="2900" dirty="0" err="1"/>
+              <a:t>zhu</a:t>
             </a:r>
             <a:endParaRPr lang="en-US" sz="2900" dirty="0"/>
           </a:p>
@@ -10023,7 +11960,7 @@
     </p:spTree>
     <p:extLst>
       <p:ext uri="{BB962C8B-B14F-4D97-AF65-F5344CB8AC3E}">
-        <p14:creationId xmlns:p14="http://schemas.microsoft.com/office/powerpoint/2010/main" val="4086661673"/>
+        <p14:creationId xmlns:p14="http://schemas.microsoft.com/office/powerpoint/2010/main" val="805522739"/>
       </p:ext>
     </p:extLst>
   </p:cSld>
@@ -10074,58 +12011,40 @@
         </p:nvSpPr>
         <p:spPr>
           <a:xfrm>
-            <a:off x="7931427" y="212035"/>
-            <a:ext cx="3810000" cy="1453186"/>
+            <a:off x="0" y="0"/>
+            <a:ext cx="10098158" cy="649357"/>
           </a:xfrm>
         </p:spPr>
         <p:txBody>
-          <a:bodyPr/>
+          <a:bodyPr>
+            <a:normAutofit/>
+          </a:bodyPr>
           <a:lstStyle/>
           <a:p>
             <a:r>
-              <a:rPr lang="en-US" altLang="zh-CN" dirty="0"/>
-              <a:t>Future work</a:t>
-            </a:r>
-            <a:endParaRPr lang="en-US" dirty="0"/>
-          </a:p>
-        </p:txBody>
-      </p:sp>
-      <p:sp>
-        <p:nvSpPr>
-          <p:cNvPr id="3" name="Text Placeholder 2"/>
-          <p:cNvSpPr>
-            <a:spLocks noGrp="1"/>
-          </p:cNvSpPr>
-          <p:nvPr>
-            <p:ph type="body" idx="1"/>
-          </p:nvPr>
-        </p:nvSpPr>
-        <p:spPr>
-          <a:xfrm>
-            <a:off x="0" y="421230"/>
-            <a:ext cx="5943600" cy="410547"/>
-          </a:xfrm>
-        </p:spPr>
-        <p:txBody>
-          <a:bodyPr/>
-          <a:lstStyle/>
-          <a:p>
-            <a:r>
-              <a:rPr lang="en-US" dirty="0"/>
-              <a:t>By </a:t>
-            </a:r>
-            <a:r>
-              <a:rPr lang="en-US" dirty="0" err="1"/>
-              <a:t>jing</a:t>
-            </a:r>
-            <a:endParaRPr lang="en-US" dirty="0"/>
+              <a:rPr lang="en-US" altLang="zh-CN" sz="2900" dirty="0"/>
+              <a:t>Challenges and Solutions 3pages  by </a:t>
+            </a:r>
+            <a:r>
+              <a:rPr lang="en-US" altLang="zh-CN" sz="2900" dirty="0" err="1"/>
+              <a:t>Jie</a:t>
+            </a:r>
+            <a:r>
+              <a:rPr lang="en-US" altLang="zh-CN" sz="2900" dirty="0"/>
+              <a:t> </a:t>
+            </a:r>
+            <a:r>
+              <a:rPr lang="en-US" altLang="zh-CN" sz="2900" dirty="0" err="1"/>
+              <a:t>zhu</a:t>
+            </a:r>
+            <a:endParaRPr lang="en-US" sz="2900" dirty="0"/>
           </a:p>
         </p:txBody>
       </p:sp>
     </p:spTree>
     <p:extLst>
       <p:ext uri="{BB962C8B-B14F-4D97-AF65-F5344CB8AC3E}">
-        <p14:creationId xmlns:p14="http://schemas.microsoft.com/office/powerpoint/2010/main" val="2403148182"/>
+        <p14:creationId xmlns:p14="http://schemas.microsoft.com/office/powerpoint/2010/main" val="779038742"/>
       </p:ext>
     </p:extLst>
   </p:cSld>
